--- a/Presentations/Keysani_Sunum_Winding_Design_2023_03_08.pptx
+++ b/Presentations/Keysani_Sunum_Winding_Design_2023_03_08.pptx
@@ -2,7 +2,7 @@
 <file path=ppt/presentation.xml><?xml version="1.0" encoding="utf-8"?>
 <p:presentation xmlns:a="http://schemas.openxmlformats.org/drawingml/2006/main" xmlns:r="http://schemas.openxmlformats.org/officeDocument/2006/relationships" xmlns:p="http://schemas.openxmlformats.org/presentationml/2006/main" saveSubsetFonts="1">
   <p:sldMasterIdLst>
-    <p:sldMasterId id="2147483750" r:id="rId1"/>
+    <p:sldMasterId id="2147483791" r:id="rId1"/>
   </p:sldMasterIdLst>
   <p:sldIdLst>
     <p:sldId id="256" r:id="rId2"/>
@@ -154,7 +154,7 @@
           <p:cNvPr id="2" name="Title 1">
             <a:extLst>
               <a:ext uri="{FF2B5EF4-FFF2-40B4-BE49-F238E27FC236}">
-                <a16:creationId xmlns:a16="http://schemas.microsoft.com/office/drawing/2014/main" id="{CA71382B-C7F3-440D-8735-AD75014C21F8}"/>
+                <a16:creationId xmlns:a16="http://schemas.microsoft.com/office/drawing/2014/main" id="{FF793C4E-E3F9-DCD5-F4B1-34CE389E69B7}"/>
               </a:ext>
             </a:extLst>
           </p:cNvPr>
@@ -191,7 +191,7 @@
           <p:cNvPr id="3" name="Subtitle 2">
             <a:extLst>
               <a:ext uri="{FF2B5EF4-FFF2-40B4-BE49-F238E27FC236}">
-                <a16:creationId xmlns:a16="http://schemas.microsoft.com/office/drawing/2014/main" id="{5F1EA053-E149-4453-9C0D-DBBAE0861FCD}"/>
+                <a16:creationId xmlns:a16="http://schemas.microsoft.com/office/drawing/2014/main" id="{2755969E-7683-FE96-DFE3-C6792C7CAEA1}"/>
               </a:ext>
             </a:extLst>
           </p:cNvPr>
@@ -261,7 +261,7 @@
           <p:cNvPr id="4" name="Date Placeholder 3">
             <a:extLst>
               <a:ext uri="{FF2B5EF4-FFF2-40B4-BE49-F238E27FC236}">
-                <a16:creationId xmlns:a16="http://schemas.microsoft.com/office/drawing/2014/main" id="{0EBB9442-AEC2-4C5F-92E3-F320BB761191}"/>
+                <a16:creationId xmlns:a16="http://schemas.microsoft.com/office/drawing/2014/main" id="{E4BDF0E9-A3F7-7D5D-B322-A0E2CC3841B3}"/>
               </a:ext>
             </a:extLst>
           </p:cNvPr>
@@ -279,7 +279,7 @@
           <a:p>
             <a:fld id="{72A68771-77A4-4E4C-9024-F74A9CFD60C2}" type="datetimeFigureOut">
               <a:rPr lang="en-US" smtClean="0"/>
-              <a:t>3/9/2023</a:t>
+              <a:t>3/12/2023</a:t>
             </a:fld>
             <a:endParaRPr lang="en-US"/>
           </a:p>
@@ -290,7 +290,7 @@
           <p:cNvPr id="5" name="Footer Placeholder 4">
             <a:extLst>
               <a:ext uri="{FF2B5EF4-FFF2-40B4-BE49-F238E27FC236}">
-                <a16:creationId xmlns:a16="http://schemas.microsoft.com/office/drawing/2014/main" id="{F18CE163-4C08-4FD5-8B94-B47675031D83}"/>
+                <a16:creationId xmlns:a16="http://schemas.microsoft.com/office/drawing/2014/main" id="{BAC67171-8D21-548D-96F8-05DC54744D74}"/>
               </a:ext>
             </a:extLst>
           </p:cNvPr>
@@ -315,7 +315,7 @@
           <p:cNvPr id="6" name="Slide Number Placeholder 5">
             <a:extLst>
               <a:ext uri="{FF2B5EF4-FFF2-40B4-BE49-F238E27FC236}">
-                <a16:creationId xmlns:a16="http://schemas.microsoft.com/office/drawing/2014/main" id="{34CF3F20-C27D-434C-8363-FD3C345096B3}"/>
+                <a16:creationId xmlns:a16="http://schemas.microsoft.com/office/drawing/2014/main" id="{F3613F2F-7CE4-AD39-8B6E-C5E598E0D490}"/>
               </a:ext>
             </a:extLst>
           </p:cNvPr>
@@ -342,7 +342,7 @@
     </p:spTree>
     <p:extLst>
       <p:ext uri="{BB962C8B-B14F-4D97-AF65-F5344CB8AC3E}">
-        <p14:creationId xmlns:p14="http://schemas.microsoft.com/office/powerpoint/2010/main" val="4196296942"/>
+        <p14:creationId xmlns:p14="http://schemas.microsoft.com/office/powerpoint/2010/main" val="3920683635"/>
       </p:ext>
     </p:extLst>
   </p:cSld>
@@ -374,7 +374,7 @@
           <p:cNvPr id="2" name="Title 1">
             <a:extLst>
               <a:ext uri="{FF2B5EF4-FFF2-40B4-BE49-F238E27FC236}">
-                <a16:creationId xmlns:a16="http://schemas.microsoft.com/office/drawing/2014/main" id="{9168F5C6-2332-40DE-A196-896FA8A84D8D}"/>
+                <a16:creationId xmlns:a16="http://schemas.microsoft.com/office/drawing/2014/main" id="{6A35E05A-BAF2-5621-2DCE-34EF3D72B6CF}"/>
               </a:ext>
             </a:extLst>
           </p:cNvPr>
@@ -402,7 +402,7 @@
           <p:cNvPr id="3" name="Vertical Text Placeholder 2">
             <a:extLst>
               <a:ext uri="{FF2B5EF4-FFF2-40B4-BE49-F238E27FC236}">
-                <a16:creationId xmlns:a16="http://schemas.microsoft.com/office/drawing/2014/main" id="{34B31242-3C7A-4350-82DB-BF9CC6441D5C}"/>
+                <a16:creationId xmlns:a16="http://schemas.microsoft.com/office/drawing/2014/main" id="{8C8D8901-2E14-C4EC-600E-2850873E89D4}"/>
               </a:ext>
             </a:extLst>
           </p:cNvPr>
@@ -459,7 +459,7 @@
           <p:cNvPr id="4" name="Date Placeholder 3">
             <a:extLst>
               <a:ext uri="{FF2B5EF4-FFF2-40B4-BE49-F238E27FC236}">
-                <a16:creationId xmlns:a16="http://schemas.microsoft.com/office/drawing/2014/main" id="{31505F2B-FE2D-47B6-AD6C-15677BE50821}"/>
+                <a16:creationId xmlns:a16="http://schemas.microsoft.com/office/drawing/2014/main" id="{C6521AA4-292D-BE9C-AA3F-4D4B33813ACE}"/>
               </a:ext>
             </a:extLst>
           </p:cNvPr>
@@ -477,7 +477,7 @@
           <a:p>
             <a:fld id="{72A68771-77A4-4E4C-9024-F74A9CFD60C2}" type="datetimeFigureOut">
               <a:rPr lang="en-US" smtClean="0"/>
-              <a:t>3/9/2023</a:t>
+              <a:t>3/12/2023</a:t>
             </a:fld>
             <a:endParaRPr lang="en-US"/>
           </a:p>
@@ -488,7 +488,7 @@
           <p:cNvPr id="5" name="Footer Placeholder 4">
             <a:extLst>
               <a:ext uri="{FF2B5EF4-FFF2-40B4-BE49-F238E27FC236}">
-                <a16:creationId xmlns:a16="http://schemas.microsoft.com/office/drawing/2014/main" id="{5711F3D6-F21A-4559-A777-72330F94E8F1}"/>
+                <a16:creationId xmlns:a16="http://schemas.microsoft.com/office/drawing/2014/main" id="{892EB970-AE9E-91D8-2A1A-3A274EECDE23}"/>
               </a:ext>
             </a:extLst>
           </p:cNvPr>
@@ -513,7 +513,7 @@
           <p:cNvPr id="6" name="Slide Number Placeholder 5">
             <a:extLst>
               <a:ext uri="{FF2B5EF4-FFF2-40B4-BE49-F238E27FC236}">
-                <a16:creationId xmlns:a16="http://schemas.microsoft.com/office/drawing/2014/main" id="{E7F1B02D-0188-40E9-A3AF-16B0C50F57AD}"/>
+                <a16:creationId xmlns:a16="http://schemas.microsoft.com/office/drawing/2014/main" id="{43D7E215-87A2-3259-451C-1CC908828F5F}"/>
               </a:ext>
             </a:extLst>
           </p:cNvPr>
@@ -540,7 +540,7 @@
     </p:spTree>
     <p:extLst>
       <p:ext uri="{BB962C8B-B14F-4D97-AF65-F5344CB8AC3E}">
-        <p14:creationId xmlns:p14="http://schemas.microsoft.com/office/powerpoint/2010/main" val="2012918236"/>
+        <p14:creationId xmlns:p14="http://schemas.microsoft.com/office/powerpoint/2010/main" val="1275465232"/>
       </p:ext>
     </p:extLst>
   </p:cSld>
@@ -572,7 +572,7 @@
           <p:cNvPr id="2" name="Vertical Title 1">
             <a:extLst>
               <a:ext uri="{FF2B5EF4-FFF2-40B4-BE49-F238E27FC236}">
-                <a16:creationId xmlns:a16="http://schemas.microsoft.com/office/drawing/2014/main" id="{64390DA9-8997-4E81-9F1D-2572AFD99FBC}"/>
+                <a16:creationId xmlns:a16="http://schemas.microsoft.com/office/drawing/2014/main" id="{9EECE3D4-FB2A-F768-EFFA-C7A19AC4910B}"/>
               </a:ext>
             </a:extLst>
           </p:cNvPr>
@@ -605,7 +605,7 @@
           <p:cNvPr id="3" name="Vertical Text Placeholder 2">
             <a:extLst>
               <a:ext uri="{FF2B5EF4-FFF2-40B4-BE49-F238E27FC236}">
-                <a16:creationId xmlns:a16="http://schemas.microsoft.com/office/drawing/2014/main" id="{BF1CCD21-235B-4E6E-8831-90B93E52FF49}"/>
+                <a16:creationId xmlns:a16="http://schemas.microsoft.com/office/drawing/2014/main" id="{FBF2662E-974F-46D9-4453-7034F14B4904}"/>
               </a:ext>
             </a:extLst>
           </p:cNvPr>
@@ -667,7 +667,7 @@
           <p:cNvPr id="4" name="Date Placeholder 3">
             <a:extLst>
               <a:ext uri="{FF2B5EF4-FFF2-40B4-BE49-F238E27FC236}">
-                <a16:creationId xmlns:a16="http://schemas.microsoft.com/office/drawing/2014/main" id="{926334DF-6591-4CC6-9B47-594070953407}"/>
+                <a16:creationId xmlns:a16="http://schemas.microsoft.com/office/drawing/2014/main" id="{09AB8758-CD70-E485-35DA-168C655D1314}"/>
               </a:ext>
             </a:extLst>
           </p:cNvPr>
@@ -685,7 +685,7 @@
           <a:p>
             <a:fld id="{72A68771-77A4-4E4C-9024-F74A9CFD60C2}" type="datetimeFigureOut">
               <a:rPr lang="en-US" smtClean="0"/>
-              <a:t>3/9/2023</a:t>
+              <a:t>3/12/2023</a:t>
             </a:fld>
             <a:endParaRPr lang="en-US"/>
           </a:p>
@@ -696,7 +696,7 @@
           <p:cNvPr id="5" name="Footer Placeholder 4">
             <a:extLst>
               <a:ext uri="{FF2B5EF4-FFF2-40B4-BE49-F238E27FC236}">
-                <a16:creationId xmlns:a16="http://schemas.microsoft.com/office/drawing/2014/main" id="{915C2D67-53DB-42A3-BEE1-35A01C49646F}"/>
+                <a16:creationId xmlns:a16="http://schemas.microsoft.com/office/drawing/2014/main" id="{7BCCDCF3-BAA1-0EE6-B906-DBC68D5A5945}"/>
               </a:ext>
             </a:extLst>
           </p:cNvPr>
@@ -721,7 +721,7 @@
           <p:cNvPr id="6" name="Slide Number Placeholder 5">
             <a:extLst>
               <a:ext uri="{FF2B5EF4-FFF2-40B4-BE49-F238E27FC236}">
-                <a16:creationId xmlns:a16="http://schemas.microsoft.com/office/drawing/2014/main" id="{87B5219A-CE42-4B37-AC44-BAAF386AE3CE}"/>
+                <a16:creationId xmlns:a16="http://schemas.microsoft.com/office/drawing/2014/main" id="{AD24AD78-8DEC-C237-D55E-CC0A2F61CC2D}"/>
               </a:ext>
             </a:extLst>
           </p:cNvPr>
@@ -748,7 +748,7 @@
     </p:spTree>
     <p:extLst>
       <p:ext uri="{BB962C8B-B14F-4D97-AF65-F5344CB8AC3E}">
-        <p14:creationId xmlns:p14="http://schemas.microsoft.com/office/powerpoint/2010/main" val="826556546"/>
+        <p14:creationId xmlns:p14="http://schemas.microsoft.com/office/powerpoint/2010/main" val="904720904"/>
       </p:ext>
     </p:extLst>
   </p:cSld>
@@ -780,7 +780,7 @@
           <p:cNvPr id="2" name="Title 1">
             <a:extLst>
               <a:ext uri="{FF2B5EF4-FFF2-40B4-BE49-F238E27FC236}">
-                <a16:creationId xmlns:a16="http://schemas.microsoft.com/office/drawing/2014/main" id="{EE63D541-F5BE-4B33-9FCC-7EA40E61D612}"/>
+                <a16:creationId xmlns:a16="http://schemas.microsoft.com/office/drawing/2014/main" id="{DB714178-FC3A-D137-49CD-6288D2727FC2}"/>
               </a:ext>
             </a:extLst>
           </p:cNvPr>
@@ -808,7 +808,7 @@
           <p:cNvPr id="3" name="Content Placeholder 2">
             <a:extLst>
               <a:ext uri="{FF2B5EF4-FFF2-40B4-BE49-F238E27FC236}">
-                <a16:creationId xmlns:a16="http://schemas.microsoft.com/office/drawing/2014/main" id="{7D2F0C22-0AE9-4D7C-AB09-C525DDB840E5}"/>
+                <a16:creationId xmlns:a16="http://schemas.microsoft.com/office/drawing/2014/main" id="{AF560A9C-6183-98A0-2DB0-05DEE76F9E9B}"/>
               </a:ext>
             </a:extLst>
           </p:cNvPr>
@@ -865,7 +865,7 @@
           <p:cNvPr id="4" name="Date Placeholder 3">
             <a:extLst>
               <a:ext uri="{FF2B5EF4-FFF2-40B4-BE49-F238E27FC236}">
-                <a16:creationId xmlns:a16="http://schemas.microsoft.com/office/drawing/2014/main" id="{0F195421-8987-41C1-995F-D0419EBA11A8}"/>
+                <a16:creationId xmlns:a16="http://schemas.microsoft.com/office/drawing/2014/main" id="{36EB426A-E93C-F3F0-867A-5DBB55BFE3D2}"/>
               </a:ext>
             </a:extLst>
           </p:cNvPr>
@@ -883,7 +883,7 @@
           <a:p>
             <a:fld id="{72A68771-77A4-4E4C-9024-F74A9CFD60C2}" type="datetimeFigureOut">
               <a:rPr lang="en-US" smtClean="0"/>
-              <a:t>3/9/2023</a:t>
+              <a:t>3/12/2023</a:t>
             </a:fld>
             <a:endParaRPr lang="en-US"/>
           </a:p>
@@ -894,7 +894,7 @@
           <p:cNvPr id="5" name="Footer Placeholder 4">
             <a:extLst>
               <a:ext uri="{FF2B5EF4-FFF2-40B4-BE49-F238E27FC236}">
-                <a16:creationId xmlns:a16="http://schemas.microsoft.com/office/drawing/2014/main" id="{C36C4F26-1F65-4356-B313-67DDBB5A0C20}"/>
+                <a16:creationId xmlns:a16="http://schemas.microsoft.com/office/drawing/2014/main" id="{AEB42470-BEAA-FF8F-21EC-A741EC922BE6}"/>
               </a:ext>
             </a:extLst>
           </p:cNvPr>
@@ -919,7 +919,7 @@
           <p:cNvPr id="6" name="Slide Number Placeholder 5">
             <a:extLst>
               <a:ext uri="{FF2B5EF4-FFF2-40B4-BE49-F238E27FC236}">
-                <a16:creationId xmlns:a16="http://schemas.microsoft.com/office/drawing/2014/main" id="{E97351AD-10EA-49D6-9025-CF6CFE5F85AD}"/>
+                <a16:creationId xmlns:a16="http://schemas.microsoft.com/office/drawing/2014/main" id="{7B437E2E-BC88-A755-2A38-830FFD4A66E6}"/>
               </a:ext>
             </a:extLst>
           </p:cNvPr>
@@ -946,7 +946,7 @@
     </p:spTree>
     <p:extLst>
       <p:ext uri="{BB962C8B-B14F-4D97-AF65-F5344CB8AC3E}">
-        <p14:creationId xmlns:p14="http://schemas.microsoft.com/office/powerpoint/2010/main" val="1390655519"/>
+        <p14:creationId xmlns:p14="http://schemas.microsoft.com/office/powerpoint/2010/main" val="2224830189"/>
       </p:ext>
     </p:extLst>
   </p:cSld>
@@ -978,7 +978,7 @@
           <p:cNvPr id="2" name="Title 1">
             <a:extLst>
               <a:ext uri="{FF2B5EF4-FFF2-40B4-BE49-F238E27FC236}">
-                <a16:creationId xmlns:a16="http://schemas.microsoft.com/office/drawing/2014/main" id="{9F58E20C-3DA6-4E55-AD06-BAB32672D601}"/>
+                <a16:creationId xmlns:a16="http://schemas.microsoft.com/office/drawing/2014/main" id="{1B67D766-5DD5-2EA2-71AE-5996FDAA8812}"/>
               </a:ext>
             </a:extLst>
           </p:cNvPr>
@@ -1015,7 +1015,7 @@
           <p:cNvPr id="3" name="Text Placeholder 2">
             <a:extLst>
               <a:ext uri="{FF2B5EF4-FFF2-40B4-BE49-F238E27FC236}">
-                <a16:creationId xmlns:a16="http://schemas.microsoft.com/office/drawing/2014/main" id="{EF34D536-C698-4BF3-968B-A9B001853A95}"/>
+                <a16:creationId xmlns:a16="http://schemas.microsoft.com/office/drawing/2014/main" id="{75A30157-5B69-42C1-9AA3-4D734A1A72AD}"/>
               </a:ext>
             </a:extLst>
           </p:cNvPr>
@@ -1140,7 +1140,7 @@
           <p:cNvPr id="4" name="Date Placeholder 3">
             <a:extLst>
               <a:ext uri="{FF2B5EF4-FFF2-40B4-BE49-F238E27FC236}">
-                <a16:creationId xmlns:a16="http://schemas.microsoft.com/office/drawing/2014/main" id="{A537F63F-954C-44A7-BE23-56BEFC31D49C}"/>
+                <a16:creationId xmlns:a16="http://schemas.microsoft.com/office/drawing/2014/main" id="{2C732CF1-70D1-E01D-DACB-43B69A3CF77F}"/>
               </a:ext>
             </a:extLst>
           </p:cNvPr>
@@ -1158,7 +1158,7 @@
           <a:p>
             <a:fld id="{72A68771-77A4-4E4C-9024-F74A9CFD60C2}" type="datetimeFigureOut">
               <a:rPr lang="en-US" smtClean="0"/>
-              <a:t>3/9/2023</a:t>
+              <a:t>3/12/2023</a:t>
             </a:fld>
             <a:endParaRPr lang="en-US"/>
           </a:p>
@@ -1169,7 +1169,7 @@
           <p:cNvPr id="5" name="Footer Placeholder 4">
             <a:extLst>
               <a:ext uri="{FF2B5EF4-FFF2-40B4-BE49-F238E27FC236}">
-                <a16:creationId xmlns:a16="http://schemas.microsoft.com/office/drawing/2014/main" id="{5BA29507-2E0C-4550-9BF4-160B239130FB}"/>
+                <a16:creationId xmlns:a16="http://schemas.microsoft.com/office/drawing/2014/main" id="{49DF3145-1B4D-8EFF-CFBB-ABCFFEC70BA6}"/>
               </a:ext>
             </a:extLst>
           </p:cNvPr>
@@ -1194,7 +1194,7 @@
           <p:cNvPr id="6" name="Slide Number Placeholder 5">
             <a:extLst>
               <a:ext uri="{FF2B5EF4-FFF2-40B4-BE49-F238E27FC236}">
-                <a16:creationId xmlns:a16="http://schemas.microsoft.com/office/drawing/2014/main" id="{68EE0F0D-9EF9-4EDC-89B1-EE33D54696C2}"/>
+                <a16:creationId xmlns:a16="http://schemas.microsoft.com/office/drawing/2014/main" id="{7720C2F4-D64D-B8C6-8552-F7748AF4688C}"/>
               </a:ext>
             </a:extLst>
           </p:cNvPr>
@@ -1221,7 +1221,7 @@
     </p:spTree>
     <p:extLst>
       <p:ext uri="{BB962C8B-B14F-4D97-AF65-F5344CB8AC3E}">
-        <p14:creationId xmlns:p14="http://schemas.microsoft.com/office/powerpoint/2010/main" val="2040412274"/>
+        <p14:creationId xmlns:p14="http://schemas.microsoft.com/office/powerpoint/2010/main" val="2531684565"/>
       </p:ext>
     </p:extLst>
   </p:cSld>
@@ -1253,7 +1253,7 @@
           <p:cNvPr id="2" name="Title 1">
             <a:extLst>
               <a:ext uri="{FF2B5EF4-FFF2-40B4-BE49-F238E27FC236}">
-                <a16:creationId xmlns:a16="http://schemas.microsoft.com/office/drawing/2014/main" id="{2676A2E1-17AE-4A00-AE5F-C84683078557}"/>
+                <a16:creationId xmlns:a16="http://schemas.microsoft.com/office/drawing/2014/main" id="{61CBBCA3-4D6C-3CAC-2D9D-97076287C51E}"/>
               </a:ext>
             </a:extLst>
           </p:cNvPr>
@@ -1281,7 +1281,7 @@
           <p:cNvPr id="3" name="Content Placeholder 2">
             <a:extLst>
               <a:ext uri="{FF2B5EF4-FFF2-40B4-BE49-F238E27FC236}">
-                <a16:creationId xmlns:a16="http://schemas.microsoft.com/office/drawing/2014/main" id="{45BF194A-694B-4672-9052-4A6DC8AA208E}"/>
+                <a16:creationId xmlns:a16="http://schemas.microsoft.com/office/drawing/2014/main" id="{0E44FA0C-D01F-1D9A-8A4A-28C6C2C82C77}"/>
               </a:ext>
             </a:extLst>
           </p:cNvPr>
@@ -1343,7 +1343,7 @@
           <p:cNvPr id="4" name="Content Placeholder 3">
             <a:extLst>
               <a:ext uri="{FF2B5EF4-FFF2-40B4-BE49-F238E27FC236}">
-                <a16:creationId xmlns:a16="http://schemas.microsoft.com/office/drawing/2014/main" id="{52939BE3-5D74-4385-A496-255D9D9F2BD5}"/>
+                <a16:creationId xmlns:a16="http://schemas.microsoft.com/office/drawing/2014/main" id="{B7D61179-B5B1-E7E2-7CFF-AB7E2B579EA1}"/>
               </a:ext>
             </a:extLst>
           </p:cNvPr>
@@ -1405,7 +1405,7 @@
           <p:cNvPr id="5" name="Date Placeholder 4">
             <a:extLst>
               <a:ext uri="{FF2B5EF4-FFF2-40B4-BE49-F238E27FC236}">
-                <a16:creationId xmlns:a16="http://schemas.microsoft.com/office/drawing/2014/main" id="{53F7F22E-5A5D-44FA-B5C0-ECC3588247E3}"/>
+                <a16:creationId xmlns:a16="http://schemas.microsoft.com/office/drawing/2014/main" id="{0A712EA0-988B-DE76-28A0-85F9659E7ACD}"/>
               </a:ext>
             </a:extLst>
           </p:cNvPr>
@@ -1423,7 +1423,7 @@
           <a:p>
             <a:fld id="{72A68771-77A4-4E4C-9024-F74A9CFD60C2}" type="datetimeFigureOut">
               <a:rPr lang="en-US" smtClean="0"/>
-              <a:t>3/9/2023</a:t>
+              <a:t>3/12/2023</a:t>
             </a:fld>
             <a:endParaRPr lang="en-US"/>
           </a:p>
@@ -1434,7 +1434,7 @@
           <p:cNvPr id="6" name="Footer Placeholder 5">
             <a:extLst>
               <a:ext uri="{FF2B5EF4-FFF2-40B4-BE49-F238E27FC236}">
-                <a16:creationId xmlns:a16="http://schemas.microsoft.com/office/drawing/2014/main" id="{E7CAD5E8-62CB-4D4E-8438-9CFF71A5B1E4}"/>
+                <a16:creationId xmlns:a16="http://schemas.microsoft.com/office/drawing/2014/main" id="{EA3C622B-E0BC-F390-9EF9-E51D1EBB0095}"/>
               </a:ext>
             </a:extLst>
           </p:cNvPr>
@@ -1459,7 +1459,7 @@
           <p:cNvPr id="7" name="Slide Number Placeholder 6">
             <a:extLst>
               <a:ext uri="{FF2B5EF4-FFF2-40B4-BE49-F238E27FC236}">
-                <a16:creationId xmlns:a16="http://schemas.microsoft.com/office/drawing/2014/main" id="{FC4B8294-884E-494E-9F6A-1825BE35E07D}"/>
+                <a16:creationId xmlns:a16="http://schemas.microsoft.com/office/drawing/2014/main" id="{570AC22F-5ED5-DC2C-33F4-818C83D74B11}"/>
               </a:ext>
             </a:extLst>
           </p:cNvPr>
@@ -1486,7 +1486,7 @@
     </p:spTree>
     <p:extLst>
       <p:ext uri="{BB962C8B-B14F-4D97-AF65-F5344CB8AC3E}">
-        <p14:creationId xmlns:p14="http://schemas.microsoft.com/office/powerpoint/2010/main" val="1989873624"/>
+        <p14:creationId xmlns:p14="http://schemas.microsoft.com/office/powerpoint/2010/main" val="2182618129"/>
       </p:ext>
     </p:extLst>
   </p:cSld>
@@ -1518,7 +1518,7 @@
           <p:cNvPr id="2" name="Title 1">
             <a:extLst>
               <a:ext uri="{FF2B5EF4-FFF2-40B4-BE49-F238E27FC236}">
-                <a16:creationId xmlns:a16="http://schemas.microsoft.com/office/drawing/2014/main" id="{6EFB1147-3CD3-4090-A832-79A385CBFAEB}"/>
+                <a16:creationId xmlns:a16="http://schemas.microsoft.com/office/drawing/2014/main" id="{DB04FFC9-78DD-4209-957A-601F1E990258}"/>
               </a:ext>
             </a:extLst>
           </p:cNvPr>
@@ -1551,7 +1551,7 @@
           <p:cNvPr id="3" name="Text Placeholder 2">
             <a:extLst>
               <a:ext uri="{FF2B5EF4-FFF2-40B4-BE49-F238E27FC236}">
-                <a16:creationId xmlns:a16="http://schemas.microsoft.com/office/drawing/2014/main" id="{289284EF-32FB-4C31-B465-F7DBA05FCC9E}"/>
+                <a16:creationId xmlns:a16="http://schemas.microsoft.com/office/drawing/2014/main" id="{FD01F41B-EABC-E3AA-E65A-7DC85525E4C7}"/>
               </a:ext>
             </a:extLst>
           </p:cNvPr>
@@ -1622,7 +1622,7 @@
           <p:cNvPr id="4" name="Content Placeholder 3">
             <a:extLst>
               <a:ext uri="{FF2B5EF4-FFF2-40B4-BE49-F238E27FC236}">
-                <a16:creationId xmlns:a16="http://schemas.microsoft.com/office/drawing/2014/main" id="{865D9814-2D58-4722-BAF9-DC8F58EDC9C8}"/>
+                <a16:creationId xmlns:a16="http://schemas.microsoft.com/office/drawing/2014/main" id="{F03230B3-767C-4786-CAEB-639BE8ABB486}"/>
               </a:ext>
             </a:extLst>
           </p:cNvPr>
@@ -1684,7 +1684,7 @@
           <p:cNvPr id="5" name="Text Placeholder 4">
             <a:extLst>
               <a:ext uri="{FF2B5EF4-FFF2-40B4-BE49-F238E27FC236}">
-                <a16:creationId xmlns:a16="http://schemas.microsoft.com/office/drawing/2014/main" id="{8C6B5E51-E332-4BA7-8B6F-7F1502581D30}"/>
+                <a16:creationId xmlns:a16="http://schemas.microsoft.com/office/drawing/2014/main" id="{4BEFD678-E103-1778-5B2A-B6E4DEF3CC33}"/>
               </a:ext>
             </a:extLst>
           </p:cNvPr>
@@ -1755,7 +1755,7 @@
           <p:cNvPr id="6" name="Content Placeholder 5">
             <a:extLst>
               <a:ext uri="{FF2B5EF4-FFF2-40B4-BE49-F238E27FC236}">
-                <a16:creationId xmlns:a16="http://schemas.microsoft.com/office/drawing/2014/main" id="{FADDB600-3D95-4AAC-A59D-76644433851D}"/>
+                <a16:creationId xmlns:a16="http://schemas.microsoft.com/office/drawing/2014/main" id="{A1817F88-3FBF-3EC8-E78A-DEDBB5898423}"/>
               </a:ext>
             </a:extLst>
           </p:cNvPr>
@@ -1817,7 +1817,7 @@
           <p:cNvPr id="7" name="Date Placeholder 6">
             <a:extLst>
               <a:ext uri="{FF2B5EF4-FFF2-40B4-BE49-F238E27FC236}">
-                <a16:creationId xmlns:a16="http://schemas.microsoft.com/office/drawing/2014/main" id="{6758B7D3-6981-422D-8D35-341B5E6EF1A7}"/>
+                <a16:creationId xmlns:a16="http://schemas.microsoft.com/office/drawing/2014/main" id="{77F14412-A9C6-7B5B-82C0-62D78DC156FF}"/>
               </a:ext>
             </a:extLst>
           </p:cNvPr>
@@ -1835,7 +1835,7 @@
           <a:p>
             <a:fld id="{72A68771-77A4-4E4C-9024-F74A9CFD60C2}" type="datetimeFigureOut">
               <a:rPr lang="en-US" smtClean="0"/>
-              <a:t>3/9/2023</a:t>
+              <a:t>3/12/2023</a:t>
             </a:fld>
             <a:endParaRPr lang="en-US"/>
           </a:p>
@@ -1846,7 +1846,7 @@
           <p:cNvPr id="8" name="Footer Placeholder 7">
             <a:extLst>
               <a:ext uri="{FF2B5EF4-FFF2-40B4-BE49-F238E27FC236}">
-                <a16:creationId xmlns:a16="http://schemas.microsoft.com/office/drawing/2014/main" id="{F3385AAD-1D32-48E0-B507-36522F7278A5}"/>
+                <a16:creationId xmlns:a16="http://schemas.microsoft.com/office/drawing/2014/main" id="{E3EF51C5-79F7-EB9F-B54B-552C5D22DD80}"/>
               </a:ext>
             </a:extLst>
           </p:cNvPr>
@@ -1871,7 +1871,7 @@
           <p:cNvPr id="9" name="Slide Number Placeholder 8">
             <a:extLst>
               <a:ext uri="{FF2B5EF4-FFF2-40B4-BE49-F238E27FC236}">
-                <a16:creationId xmlns:a16="http://schemas.microsoft.com/office/drawing/2014/main" id="{9DA192FA-5F35-429D-B19B-3E95FE3F1E0B}"/>
+                <a16:creationId xmlns:a16="http://schemas.microsoft.com/office/drawing/2014/main" id="{BF95B280-ED5C-3538-5AA7-9049F27E8DA5}"/>
               </a:ext>
             </a:extLst>
           </p:cNvPr>
@@ -1898,7 +1898,7 @@
     </p:spTree>
     <p:extLst>
       <p:ext uri="{BB962C8B-B14F-4D97-AF65-F5344CB8AC3E}">
-        <p14:creationId xmlns:p14="http://schemas.microsoft.com/office/powerpoint/2010/main" val="3657489705"/>
+        <p14:creationId xmlns:p14="http://schemas.microsoft.com/office/powerpoint/2010/main" val="2360649502"/>
       </p:ext>
     </p:extLst>
   </p:cSld>
@@ -1930,7 +1930,7 @@
           <p:cNvPr id="2" name="Title 1">
             <a:extLst>
               <a:ext uri="{FF2B5EF4-FFF2-40B4-BE49-F238E27FC236}">
-                <a16:creationId xmlns:a16="http://schemas.microsoft.com/office/drawing/2014/main" id="{5BB7709F-D54D-4EAD-AAB5-06141C9CCBED}"/>
+                <a16:creationId xmlns:a16="http://schemas.microsoft.com/office/drawing/2014/main" id="{86F3DBDA-A486-1C6A-AAF6-9852B220C47D}"/>
               </a:ext>
             </a:extLst>
           </p:cNvPr>
@@ -1958,7 +1958,7 @@
           <p:cNvPr id="3" name="Date Placeholder 2">
             <a:extLst>
               <a:ext uri="{FF2B5EF4-FFF2-40B4-BE49-F238E27FC236}">
-                <a16:creationId xmlns:a16="http://schemas.microsoft.com/office/drawing/2014/main" id="{527F9062-FD78-488F-B162-5D45B9A0AD9E}"/>
+                <a16:creationId xmlns:a16="http://schemas.microsoft.com/office/drawing/2014/main" id="{C139B8A4-44A0-911A-F73F-09BEC402F36C}"/>
               </a:ext>
             </a:extLst>
           </p:cNvPr>
@@ -1976,7 +1976,7 @@
           <a:p>
             <a:fld id="{72A68771-77A4-4E4C-9024-F74A9CFD60C2}" type="datetimeFigureOut">
               <a:rPr lang="en-US" smtClean="0"/>
-              <a:t>3/9/2023</a:t>
+              <a:t>3/12/2023</a:t>
             </a:fld>
             <a:endParaRPr lang="en-US"/>
           </a:p>
@@ -1987,7 +1987,7 @@
           <p:cNvPr id="4" name="Footer Placeholder 3">
             <a:extLst>
               <a:ext uri="{FF2B5EF4-FFF2-40B4-BE49-F238E27FC236}">
-                <a16:creationId xmlns:a16="http://schemas.microsoft.com/office/drawing/2014/main" id="{9DD02AFF-3C23-4CB0-87BE-6560A03727D2}"/>
+                <a16:creationId xmlns:a16="http://schemas.microsoft.com/office/drawing/2014/main" id="{494A4010-191C-BAF6-3B35-F81F480B108A}"/>
               </a:ext>
             </a:extLst>
           </p:cNvPr>
@@ -2012,7 +2012,7 @@
           <p:cNvPr id="5" name="Slide Number Placeholder 4">
             <a:extLst>
               <a:ext uri="{FF2B5EF4-FFF2-40B4-BE49-F238E27FC236}">
-                <a16:creationId xmlns:a16="http://schemas.microsoft.com/office/drawing/2014/main" id="{A4D89EEF-68E8-446E-9806-106828CDA8C0}"/>
+                <a16:creationId xmlns:a16="http://schemas.microsoft.com/office/drawing/2014/main" id="{67C06574-FDF4-D94B-8BBC-829DA2866C63}"/>
               </a:ext>
             </a:extLst>
           </p:cNvPr>
@@ -2039,7 +2039,7 @@
     </p:spTree>
     <p:extLst>
       <p:ext uri="{BB962C8B-B14F-4D97-AF65-F5344CB8AC3E}">
-        <p14:creationId xmlns:p14="http://schemas.microsoft.com/office/powerpoint/2010/main" val="4121545409"/>
+        <p14:creationId xmlns:p14="http://schemas.microsoft.com/office/powerpoint/2010/main" val="4231243067"/>
       </p:ext>
     </p:extLst>
   </p:cSld>
@@ -2071,7 +2071,7 @@
           <p:cNvPr id="2" name="Date Placeholder 1">
             <a:extLst>
               <a:ext uri="{FF2B5EF4-FFF2-40B4-BE49-F238E27FC236}">
-                <a16:creationId xmlns:a16="http://schemas.microsoft.com/office/drawing/2014/main" id="{76244605-1829-4BC8-AA6D-C4960223C6D9}"/>
+                <a16:creationId xmlns:a16="http://schemas.microsoft.com/office/drawing/2014/main" id="{2F14E4CA-70D3-4ADA-0F58-59D4726AE7C2}"/>
               </a:ext>
             </a:extLst>
           </p:cNvPr>
@@ -2089,7 +2089,7 @@
           <a:p>
             <a:fld id="{72A68771-77A4-4E4C-9024-F74A9CFD60C2}" type="datetimeFigureOut">
               <a:rPr lang="en-US" smtClean="0"/>
-              <a:t>3/9/2023</a:t>
+              <a:t>3/12/2023</a:t>
             </a:fld>
             <a:endParaRPr lang="en-US"/>
           </a:p>
@@ -2100,7 +2100,7 @@
           <p:cNvPr id="3" name="Footer Placeholder 2">
             <a:extLst>
               <a:ext uri="{FF2B5EF4-FFF2-40B4-BE49-F238E27FC236}">
-                <a16:creationId xmlns:a16="http://schemas.microsoft.com/office/drawing/2014/main" id="{A4804B35-1C33-40A0-AF39-E1DB42A5C789}"/>
+                <a16:creationId xmlns:a16="http://schemas.microsoft.com/office/drawing/2014/main" id="{074525F5-9F3A-DF20-D4FD-96BF04AAA2E9}"/>
               </a:ext>
             </a:extLst>
           </p:cNvPr>
@@ -2125,7 +2125,7 @@
           <p:cNvPr id="4" name="Slide Number Placeholder 3">
             <a:extLst>
               <a:ext uri="{FF2B5EF4-FFF2-40B4-BE49-F238E27FC236}">
-                <a16:creationId xmlns:a16="http://schemas.microsoft.com/office/drawing/2014/main" id="{6ADEDF17-F84C-4B57-BE67-9F0E571E94B6}"/>
+                <a16:creationId xmlns:a16="http://schemas.microsoft.com/office/drawing/2014/main" id="{680D90BF-E2C8-A0F4-8C5B-8961AA974B8A}"/>
               </a:ext>
             </a:extLst>
           </p:cNvPr>
@@ -2152,7 +2152,7 @@
     </p:spTree>
     <p:extLst>
       <p:ext uri="{BB962C8B-B14F-4D97-AF65-F5344CB8AC3E}">
-        <p14:creationId xmlns:p14="http://schemas.microsoft.com/office/powerpoint/2010/main" val="1165016906"/>
+        <p14:creationId xmlns:p14="http://schemas.microsoft.com/office/powerpoint/2010/main" val="852651061"/>
       </p:ext>
     </p:extLst>
   </p:cSld>
@@ -2184,7 +2184,7 @@
           <p:cNvPr id="2" name="Title 1">
             <a:extLst>
               <a:ext uri="{FF2B5EF4-FFF2-40B4-BE49-F238E27FC236}">
-                <a16:creationId xmlns:a16="http://schemas.microsoft.com/office/drawing/2014/main" id="{ACE09B42-82B5-46B5-AF73-624982BAD07E}"/>
+                <a16:creationId xmlns:a16="http://schemas.microsoft.com/office/drawing/2014/main" id="{D4B1AA99-2615-4622-8A02-C3A4D60280CB}"/>
               </a:ext>
             </a:extLst>
           </p:cNvPr>
@@ -2221,7 +2221,7 @@
           <p:cNvPr id="3" name="Content Placeholder 2">
             <a:extLst>
               <a:ext uri="{FF2B5EF4-FFF2-40B4-BE49-F238E27FC236}">
-                <a16:creationId xmlns:a16="http://schemas.microsoft.com/office/drawing/2014/main" id="{8B4D1257-D8D6-4260-B7BD-795E14FF3DC4}"/>
+                <a16:creationId xmlns:a16="http://schemas.microsoft.com/office/drawing/2014/main" id="{147FBEF6-4DC8-00B5-4F13-DB0DD0E16153}"/>
               </a:ext>
             </a:extLst>
           </p:cNvPr>
@@ -2311,7 +2311,7 @@
           <p:cNvPr id="4" name="Text Placeholder 3">
             <a:extLst>
               <a:ext uri="{FF2B5EF4-FFF2-40B4-BE49-F238E27FC236}">
-                <a16:creationId xmlns:a16="http://schemas.microsoft.com/office/drawing/2014/main" id="{A324DDC7-0B7C-401B-9C06-7BCE5BA7032E}"/>
+                <a16:creationId xmlns:a16="http://schemas.microsoft.com/office/drawing/2014/main" id="{125364A9-89C9-42CE-7FBB-F43684D2EACA}"/>
               </a:ext>
             </a:extLst>
           </p:cNvPr>
@@ -2382,7 +2382,7 @@
           <p:cNvPr id="5" name="Date Placeholder 4">
             <a:extLst>
               <a:ext uri="{FF2B5EF4-FFF2-40B4-BE49-F238E27FC236}">
-                <a16:creationId xmlns:a16="http://schemas.microsoft.com/office/drawing/2014/main" id="{FCF54D25-0ED1-433D-BA7D-42A62EAAF41F}"/>
+                <a16:creationId xmlns:a16="http://schemas.microsoft.com/office/drawing/2014/main" id="{F7D3E6D7-4C0F-4B37-F595-6E3BBECDFE90}"/>
               </a:ext>
             </a:extLst>
           </p:cNvPr>
@@ -2400,7 +2400,7 @@
           <a:p>
             <a:fld id="{72A68771-77A4-4E4C-9024-F74A9CFD60C2}" type="datetimeFigureOut">
               <a:rPr lang="en-US" smtClean="0"/>
-              <a:t>3/9/2023</a:t>
+              <a:t>3/12/2023</a:t>
             </a:fld>
             <a:endParaRPr lang="en-US"/>
           </a:p>
@@ -2411,7 +2411,7 @@
           <p:cNvPr id="6" name="Footer Placeholder 5">
             <a:extLst>
               <a:ext uri="{FF2B5EF4-FFF2-40B4-BE49-F238E27FC236}">
-                <a16:creationId xmlns:a16="http://schemas.microsoft.com/office/drawing/2014/main" id="{25DB4314-E6FA-4644-A576-BDA940126E6B}"/>
+                <a16:creationId xmlns:a16="http://schemas.microsoft.com/office/drawing/2014/main" id="{DB3CC803-4426-47D6-7EA7-649B81587BE0}"/>
               </a:ext>
             </a:extLst>
           </p:cNvPr>
@@ -2436,7 +2436,7 @@
           <p:cNvPr id="7" name="Slide Number Placeholder 6">
             <a:extLst>
               <a:ext uri="{FF2B5EF4-FFF2-40B4-BE49-F238E27FC236}">
-                <a16:creationId xmlns:a16="http://schemas.microsoft.com/office/drawing/2014/main" id="{8DFDC2DD-3EF5-41AC-9E22-479071D6F7D8}"/>
+                <a16:creationId xmlns:a16="http://schemas.microsoft.com/office/drawing/2014/main" id="{25B10CCF-4AFE-707C-1D10-002181ED9E67}"/>
               </a:ext>
             </a:extLst>
           </p:cNvPr>
@@ -2463,7 +2463,7 @@
     </p:spTree>
     <p:extLst>
       <p:ext uri="{BB962C8B-B14F-4D97-AF65-F5344CB8AC3E}">
-        <p14:creationId xmlns:p14="http://schemas.microsoft.com/office/powerpoint/2010/main" val="671944015"/>
+        <p14:creationId xmlns:p14="http://schemas.microsoft.com/office/powerpoint/2010/main" val="2173749740"/>
       </p:ext>
     </p:extLst>
   </p:cSld>
@@ -2495,7 +2495,7 @@
           <p:cNvPr id="2" name="Title 1">
             <a:extLst>
               <a:ext uri="{FF2B5EF4-FFF2-40B4-BE49-F238E27FC236}">
-                <a16:creationId xmlns:a16="http://schemas.microsoft.com/office/drawing/2014/main" id="{90BDDDA1-C38D-4461-A0D2-4A33E2FA8D4F}"/>
+                <a16:creationId xmlns:a16="http://schemas.microsoft.com/office/drawing/2014/main" id="{DF94F3CA-C933-D843-A8FC-C72F9C494A05}"/>
               </a:ext>
             </a:extLst>
           </p:cNvPr>
@@ -2532,7 +2532,7 @@
           <p:cNvPr id="3" name="Picture Placeholder 2">
             <a:extLst>
               <a:ext uri="{FF2B5EF4-FFF2-40B4-BE49-F238E27FC236}">
-                <a16:creationId xmlns:a16="http://schemas.microsoft.com/office/drawing/2014/main" id="{1CBCF216-C517-4FAB-AA67-8ACBE3B65DF4}"/>
+                <a16:creationId xmlns:a16="http://schemas.microsoft.com/office/drawing/2014/main" id="{1C8AA68F-DB78-B483-EEDB-6E63AD34B27E}"/>
               </a:ext>
             </a:extLst>
           </p:cNvPr>
@@ -2599,7 +2599,7 @@
           <p:cNvPr id="4" name="Text Placeholder 3">
             <a:extLst>
               <a:ext uri="{FF2B5EF4-FFF2-40B4-BE49-F238E27FC236}">
-                <a16:creationId xmlns:a16="http://schemas.microsoft.com/office/drawing/2014/main" id="{161996AA-0E2E-4C25-B8AE-B6D274305D69}"/>
+                <a16:creationId xmlns:a16="http://schemas.microsoft.com/office/drawing/2014/main" id="{CFB1EB33-ADC2-158C-0C7E-043988C0B436}"/>
               </a:ext>
             </a:extLst>
           </p:cNvPr>
@@ -2670,7 +2670,7 @@
           <p:cNvPr id="5" name="Date Placeholder 4">
             <a:extLst>
               <a:ext uri="{FF2B5EF4-FFF2-40B4-BE49-F238E27FC236}">
-                <a16:creationId xmlns:a16="http://schemas.microsoft.com/office/drawing/2014/main" id="{30BB31E0-0123-4F25-897F-73EC6EF245EF}"/>
+                <a16:creationId xmlns:a16="http://schemas.microsoft.com/office/drawing/2014/main" id="{662B3C99-08D9-DFF4-3049-1C23A554C43D}"/>
               </a:ext>
             </a:extLst>
           </p:cNvPr>
@@ -2688,7 +2688,7 @@
           <a:p>
             <a:fld id="{72A68771-77A4-4E4C-9024-F74A9CFD60C2}" type="datetimeFigureOut">
               <a:rPr lang="en-US" smtClean="0"/>
-              <a:t>3/9/2023</a:t>
+              <a:t>3/12/2023</a:t>
             </a:fld>
             <a:endParaRPr lang="en-US"/>
           </a:p>
@@ -2699,7 +2699,7 @@
           <p:cNvPr id="6" name="Footer Placeholder 5">
             <a:extLst>
               <a:ext uri="{FF2B5EF4-FFF2-40B4-BE49-F238E27FC236}">
-                <a16:creationId xmlns:a16="http://schemas.microsoft.com/office/drawing/2014/main" id="{C8114613-F618-435A-A5A3-DC85A818E59F}"/>
+                <a16:creationId xmlns:a16="http://schemas.microsoft.com/office/drawing/2014/main" id="{E6A2B18D-4D48-86B8-E632-4825381EA772}"/>
               </a:ext>
             </a:extLst>
           </p:cNvPr>
@@ -2724,7 +2724,7 @@
           <p:cNvPr id="7" name="Slide Number Placeholder 6">
             <a:extLst>
               <a:ext uri="{FF2B5EF4-FFF2-40B4-BE49-F238E27FC236}">
-                <a16:creationId xmlns:a16="http://schemas.microsoft.com/office/drawing/2014/main" id="{49A77E10-480A-4A5A-A9D0-18BEA5D01797}"/>
+                <a16:creationId xmlns:a16="http://schemas.microsoft.com/office/drawing/2014/main" id="{CF31100D-1869-55DB-D431-34582AED7265}"/>
               </a:ext>
             </a:extLst>
           </p:cNvPr>
@@ -2751,7 +2751,7 @@
     </p:spTree>
     <p:extLst>
       <p:ext uri="{BB962C8B-B14F-4D97-AF65-F5344CB8AC3E}">
-        <p14:creationId xmlns:p14="http://schemas.microsoft.com/office/powerpoint/2010/main" val="834763274"/>
+        <p14:creationId xmlns:p14="http://schemas.microsoft.com/office/powerpoint/2010/main" val="2966424174"/>
       </p:ext>
     </p:extLst>
   </p:cSld>
@@ -2788,7 +2788,7 @@
           <p:cNvPr id="2" name="Title Placeholder 1">
             <a:extLst>
               <a:ext uri="{FF2B5EF4-FFF2-40B4-BE49-F238E27FC236}">
-                <a16:creationId xmlns:a16="http://schemas.microsoft.com/office/drawing/2014/main" id="{8EA7F803-9CF9-44BA-90E2-22F9067D7DE6}"/>
+                <a16:creationId xmlns:a16="http://schemas.microsoft.com/office/drawing/2014/main" id="{27339DDB-8C65-CBA0-9FE1-411FB13C51C8}"/>
               </a:ext>
             </a:extLst>
           </p:cNvPr>
@@ -2826,7 +2826,7 @@
           <p:cNvPr id="3" name="Text Placeholder 2">
             <a:extLst>
               <a:ext uri="{FF2B5EF4-FFF2-40B4-BE49-F238E27FC236}">
-                <a16:creationId xmlns:a16="http://schemas.microsoft.com/office/drawing/2014/main" id="{ECADF79D-AD26-46EF-B6B9-A0FE9D524CD8}"/>
+                <a16:creationId xmlns:a16="http://schemas.microsoft.com/office/drawing/2014/main" id="{667D977D-B965-21FE-4330-CAD39604612F}"/>
               </a:ext>
             </a:extLst>
           </p:cNvPr>
@@ -2893,7 +2893,7 @@
           <p:cNvPr id="4" name="Date Placeholder 3">
             <a:extLst>
               <a:ext uri="{FF2B5EF4-FFF2-40B4-BE49-F238E27FC236}">
-                <a16:creationId xmlns:a16="http://schemas.microsoft.com/office/drawing/2014/main" id="{B1E94CDA-4303-4285-A6C9-37DC219D13D8}"/>
+                <a16:creationId xmlns:a16="http://schemas.microsoft.com/office/drawing/2014/main" id="{4C9EE6D2-6B8B-8159-7159-2E262AC72F9E}"/>
               </a:ext>
             </a:extLst>
           </p:cNvPr>
@@ -2929,7 +2929,7 @@
           <a:p>
             <a:fld id="{72A68771-77A4-4E4C-9024-F74A9CFD60C2}" type="datetimeFigureOut">
               <a:rPr lang="en-US" smtClean="0"/>
-              <a:t>3/9/2023</a:t>
+              <a:t>3/12/2023</a:t>
             </a:fld>
             <a:endParaRPr lang="en-US"/>
           </a:p>
@@ -2940,7 +2940,7 @@
           <p:cNvPr id="5" name="Footer Placeholder 4">
             <a:extLst>
               <a:ext uri="{FF2B5EF4-FFF2-40B4-BE49-F238E27FC236}">
-                <a16:creationId xmlns:a16="http://schemas.microsoft.com/office/drawing/2014/main" id="{3C70E9FF-EEAB-4C76-B1EE-A9F53371DDF2}"/>
+                <a16:creationId xmlns:a16="http://schemas.microsoft.com/office/drawing/2014/main" id="{68BF8F5A-0D6D-C46C-5075-31F6619BAF57}"/>
               </a:ext>
             </a:extLst>
           </p:cNvPr>
@@ -2983,7 +2983,7 @@
           <p:cNvPr id="6" name="Slide Number Placeholder 5">
             <a:extLst>
               <a:ext uri="{FF2B5EF4-FFF2-40B4-BE49-F238E27FC236}">
-                <a16:creationId xmlns:a16="http://schemas.microsoft.com/office/drawing/2014/main" id="{D1197D65-AA91-47F0-AAF0-9CCD3AD09597}"/>
+                <a16:creationId xmlns:a16="http://schemas.microsoft.com/office/drawing/2014/main" id="{4E2102C4-F8B7-D867-D047-64CDAEBEB56E}"/>
               </a:ext>
             </a:extLst>
           </p:cNvPr>
@@ -3028,23 +3028,23 @@
     </p:spTree>
     <p:extLst>
       <p:ext uri="{BB962C8B-B14F-4D97-AF65-F5344CB8AC3E}">
-        <p14:creationId xmlns:p14="http://schemas.microsoft.com/office/powerpoint/2010/main" val="2063349697"/>
+        <p14:creationId xmlns:p14="http://schemas.microsoft.com/office/powerpoint/2010/main" val="214241904"/>
       </p:ext>
     </p:extLst>
   </p:cSld>
   <p:clrMap bg1="lt1" tx1="dk1" bg2="lt2" tx2="dk2" accent1="accent1" accent2="accent2" accent3="accent3" accent4="accent4" accent5="accent5" accent6="accent6" hlink="hlink" folHlink="folHlink"/>
   <p:sldLayoutIdLst>
-    <p:sldLayoutId id="2147483751" r:id="rId1"/>
-    <p:sldLayoutId id="2147483752" r:id="rId2"/>
-    <p:sldLayoutId id="2147483753" r:id="rId3"/>
-    <p:sldLayoutId id="2147483754" r:id="rId4"/>
-    <p:sldLayoutId id="2147483755" r:id="rId5"/>
-    <p:sldLayoutId id="2147483756" r:id="rId6"/>
-    <p:sldLayoutId id="2147483757" r:id="rId7"/>
-    <p:sldLayoutId id="2147483758" r:id="rId8"/>
-    <p:sldLayoutId id="2147483759" r:id="rId9"/>
-    <p:sldLayoutId id="2147483760" r:id="rId10"/>
-    <p:sldLayoutId id="2147483761" r:id="rId11"/>
+    <p:sldLayoutId id="2147483792" r:id="rId1"/>
+    <p:sldLayoutId id="2147483793" r:id="rId2"/>
+    <p:sldLayoutId id="2147483794" r:id="rId3"/>
+    <p:sldLayoutId id="2147483795" r:id="rId4"/>
+    <p:sldLayoutId id="2147483796" r:id="rId5"/>
+    <p:sldLayoutId id="2147483797" r:id="rId6"/>
+    <p:sldLayoutId id="2147483798" r:id="rId7"/>
+    <p:sldLayoutId id="2147483799" r:id="rId8"/>
+    <p:sldLayoutId id="2147483800" r:id="rId9"/>
+    <p:sldLayoutId id="2147483801" r:id="rId10"/>
+    <p:sldLayoutId id="2147483802" r:id="rId11"/>
   </p:sldLayoutIdLst>
   <p:txStyles>
     <p:titleStyle>
@@ -3373,15 +3373,7 @@
             </a:r>
             <a:r>
               <a:rPr lang="tr-TR" dirty="0"/>
-              <a:t> Design in </a:t>
-            </a:r>
-            <a:r>
-              <a:rPr lang="tr-TR" dirty="0" err="1"/>
-              <a:t>Hydro</a:t>
-            </a:r>
-            <a:r>
-              <a:rPr lang="tr-TR" dirty="0"/>
-              <a:t> </a:t>
+              <a:t> Design in Hydro </a:t>
             </a:r>
             <a:r>
               <a:rPr lang="tr-TR" dirty="0" err="1"/>
@@ -5128,7 +5120,34 @@
               <a:rPr lang="tr-TR" dirty="0" err="1"/>
               <a:t>design</a:t>
             </a:r>
-            <a:endParaRPr lang="tr-TR" dirty="0"/>
+            <a:r>
+              <a:rPr lang="tr-TR" dirty="0"/>
+              <a:t> (as </a:t>
+            </a:r>
+            <a:r>
+              <a:rPr lang="tr-TR" dirty="0" err="1"/>
+              <a:t>well</a:t>
+            </a:r>
+            <a:r>
+              <a:rPr lang="tr-TR" dirty="0"/>
+              <a:t> as </a:t>
+            </a:r>
+            <a:r>
+              <a:rPr lang="tr-TR" dirty="0" err="1"/>
+              <a:t>its</a:t>
+            </a:r>
+            <a:r>
+              <a:rPr lang="tr-TR" dirty="0"/>
+              <a:t> </a:t>
+            </a:r>
+            <a:r>
+              <a:rPr lang="tr-TR" dirty="0" err="1"/>
+              <a:t>alternatives</a:t>
+            </a:r>
+            <a:r>
+              <a:rPr lang="tr-TR" dirty="0"/>
+              <a:t>)</a:t>
+            </a:r>
           </a:p>
           <a:p>
             <a:r>
@@ -5166,42 +5185,82 @@
           </a:p>
           <a:p>
             <a:r>
-              <a:rPr lang="tr-TR" dirty="0" err="1"/>
+              <a:rPr lang="tr-TR" dirty="0" err="1">
+                <a:solidFill>
+                  <a:srgbClr val="FF0000"/>
+                </a:solidFill>
+              </a:rPr>
               <a:t>Journal</a:t>
             </a:r>
             <a:r>
-              <a:rPr lang="tr-TR" dirty="0"/>
+              <a:rPr lang="tr-TR" dirty="0">
+                <a:solidFill>
+                  <a:srgbClr val="FF0000"/>
+                </a:solidFill>
+              </a:rPr>
               <a:t> </a:t>
             </a:r>
             <a:r>
-              <a:rPr lang="tr-TR" dirty="0" err="1"/>
+              <a:rPr lang="tr-TR" dirty="0" err="1">
+                <a:solidFill>
+                  <a:srgbClr val="FF0000"/>
+                </a:solidFill>
+              </a:rPr>
               <a:t>article</a:t>
             </a:r>
             <a:r>
-              <a:rPr lang="tr-TR" dirty="0"/>
+              <a:rPr lang="tr-TR" dirty="0">
+                <a:solidFill>
+                  <a:srgbClr val="FF0000"/>
+                </a:solidFill>
+              </a:rPr>
               <a:t> </a:t>
             </a:r>
             <a:r>
-              <a:rPr lang="tr-TR" dirty="0" err="1"/>
+              <a:rPr lang="tr-TR" dirty="0" err="1">
+                <a:solidFill>
+                  <a:srgbClr val="FF0000"/>
+                </a:solidFill>
+              </a:rPr>
               <a:t>until</a:t>
             </a:r>
             <a:r>
-              <a:rPr lang="tr-TR" dirty="0"/>
+              <a:rPr lang="tr-TR" dirty="0">
+                <a:solidFill>
+                  <a:srgbClr val="FF0000"/>
+                </a:solidFill>
+              </a:rPr>
               <a:t> </a:t>
             </a:r>
             <a:r>
-              <a:rPr lang="tr-TR" dirty="0" err="1"/>
+              <a:rPr lang="tr-TR" dirty="0" err="1">
+                <a:solidFill>
+                  <a:srgbClr val="FF0000"/>
+                </a:solidFill>
+              </a:rPr>
               <a:t>end</a:t>
             </a:r>
             <a:r>
-              <a:rPr lang="tr-TR" dirty="0"/>
+              <a:rPr lang="tr-TR" dirty="0">
+                <a:solidFill>
+                  <a:srgbClr val="FF0000"/>
+                </a:solidFill>
+              </a:rPr>
               <a:t> of </a:t>
             </a:r>
             <a:r>
-              <a:rPr lang="tr-TR" dirty="0" err="1"/>
+              <a:rPr lang="tr-TR" dirty="0" err="1">
+                <a:solidFill>
+                  <a:srgbClr val="FF0000"/>
+                </a:solidFill>
+              </a:rPr>
               <a:t>June</a:t>
             </a:r>
-            <a:endParaRPr lang="tr-TR" dirty="0"/>
+            <a:endParaRPr lang="tr-TR" dirty="0">
+              <a:solidFill>
+                <a:srgbClr val="FF0000"/>
+              </a:solidFill>
+            </a:endParaRPr>
           </a:p>
         </p:txBody>
       </p:sp>
@@ -5607,7 +5666,7 @@
           <p:nvPr>
             <p:extLst>
               <p:ext uri="{D42A27DB-BD31-4B8C-83A1-F6EECF244321}">
-                <p14:modId xmlns:p14="http://schemas.microsoft.com/office/powerpoint/2010/main" val="404609836"/>
+                <p14:modId xmlns:p14="http://schemas.microsoft.com/office/powerpoint/2010/main" val="4192259287"/>
               </p:ext>
             </p:extLst>
           </p:nvPr>
@@ -5728,14 +5787,14 @@
                     <a:lstStyle/>
                     <a:p>
                       <a:r>
-                        <a:rPr lang="tr-TR" dirty="0">
+                        <a:rPr lang="tr-TR" b="1" dirty="0">
                           <a:solidFill>
                             <a:schemeClr val="tx1"/>
                           </a:solidFill>
                         </a:rPr>
                         <a:t>Advantage</a:t>
                       </a:r>
-                      <a:endParaRPr lang="en-US" dirty="0">
+                      <a:endParaRPr lang="en-US" b="1" dirty="0">
                         <a:solidFill>
                           <a:schemeClr val="tx1"/>
                         </a:solidFill>
@@ -5754,14 +5813,14 @@
                     <a:lstStyle/>
                     <a:p>
                       <a:r>
-                        <a:rPr lang="tr-TR" dirty="0" err="1">
+                        <a:rPr lang="tr-TR" b="1" dirty="0" err="1">
                           <a:solidFill>
                             <a:schemeClr val="tx1"/>
                           </a:solidFill>
                         </a:rPr>
                         <a:t>Disadvantage</a:t>
                       </a:r>
-                      <a:endParaRPr lang="en-US" dirty="0">
+                      <a:endParaRPr lang="en-US" b="1" dirty="0">
                         <a:solidFill>
                           <a:schemeClr val="tx1"/>
                         </a:solidFill>
@@ -5780,14 +5839,14 @@
                     <a:lstStyle/>
                     <a:p>
                       <a:r>
-                        <a:rPr lang="tr-TR" dirty="0">
+                        <a:rPr lang="tr-TR" b="1" dirty="0">
                           <a:solidFill>
                             <a:schemeClr val="tx1"/>
                           </a:solidFill>
                         </a:rPr>
                         <a:t>Advantage</a:t>
                       </a:r>
-                      <a:endParaRPr lang="en-US" dirty="0">
+                      <a:endParaRPr lang="en-US" b="1" dirty="0">
                         <a:solidFill>
                           <a:schemeClr val="tx1"/>
                         </a:solidFill>
@@ -5806,14 +5865,14 @@
                     <a:lstStyle/>
                     <a:p>
                       <a:r>
-                        <a:rPr lang="tr-TR" dirty="0" err="1">
+                        <a:rPr lang="tr-TR" b="1" dirty="0" err="1">
                           <a:solidFill>
                             <a:schemeClr val="tx1"/>
                           </a:solidFill>
                         </a:rPr>
                         <a:t>Disadvantage</a:t>
                       </a:r>
-                      <a:endParaRPr lang="en-US" dirty="0">
+                      <a:endParaRPr lang="en-US" b="1" dirty="0">
                         <a:solidFill>
                           <a:schemeClr val="tx1"/>
                         </a:solidFill>
@@ -6511,6 +6570,124 @@
                           </m:r>
                         </m:den>
                       </m:f>
+                      <m:r>
+                        <a:rPr lang="tr-TR" b="0" i="1" smtClean="0">
+                          <a:latin typeface="Cambria Math" panose="02040503050406030204" pitchFamily="18" charset="0"/>
+                        </a:rPr>
+                        <m:t>=</m:t>
+                      </m:r>
+                      <m:f>
+                        <m:fPr>
+                          <m:ctrlPr>
+                            <a:rPr lang="tr-TR" b="0" i="1" smtClean="0">
+                              <a:latin typeface="Cambria Math" panose="02040503050406030204" pitchFamily="18" charset="0"/>
+                            </a:rPr>
+                          </m:ctrlPr>
+                        </m:fPr>
+                        <m:num>
+                          <m:sSub>
+                            <m:sSubPr>
+                              <m:ctrlPr>
+                                <a:rPr lang="tr-TR" b="0" i="1" smtClean="0">
+                                  <a:latin typeface="Cambria Math" panose="02040503050406030204" pitchFamily="18" charset="0"/>
+                                </a:rPr>
+                              </m:ctrlPr>
+                            </m:sSubPr>
+                            <m:e>
+                              <m:r>
+                                <a:rPr lang="tr-TR" b="0" i="1" smtClean="0">
+                                  <a:latin typeface="Cambria Math" panose="02040503050406030204" pitchFamily="18" charset="0"/>
+                                </a:rPr>
+                                <m:t>𝑞</m:t>
+                              </m:r>
+                            </m:e>
+                            <m:sub>
+                              <m:r>
+                                <a:rPr lang="tr-TR" b="0" i="1" smtClean="0">
+                                  <a:latin typeface="Cambria Math" panose="02040503050406030204" pitchFamily="18" charset="0"/>
+                                </a:rPr>
+                                <m:t>1</m:t>
+                              </m:r>
+                            </m:sub>
+                          </m:sSub>
+                          <m:r>
+                            <a:rPr lang="tr-TR" b="0" i="1" smtClean="0">
+                              <a:latin typeface="Cambria Math" panose="02040503050406030204" pitchFamily="18" charset="0"/>
+                            </a:rPr>
+                            <m:t>+</m:t>
+                          </m:r>
+                          <m:sSub>
+                            <m:sSubPr>
+                              <m:ctrlPr>
+                                <a:rPr lang="tr-TR" b="0" i="1" smtClean="0">
+                                  <a:latin typeface="Cambria Math" panose="02040503050406030204" pitchFamily="18" charset="0"/>
+                                </a:rPr>
+                              </m:ctrlPr>
+                            </m:sSubPr>
+                            <m:e>
+                              <m:r>
+                                <a:rPr lang="tr-TR" b="0" i="1" smtClean="0">
+                                  <a:latin typeface="Cambria Math" panose="02040503050406030204" pitchFamily="18" charset="0"/>
+                                </a:rPr>
+                                <m:t>𝑞</m:t>
+                              </m:r>
+                            </m:e>
+                            <m:sub>
+                              <m:r>
+                                <a:rPr lang="tr-TR" b="0" i="1" smtClean="0">
+                                  <a:latin typeface="Cambria Math" panose="02040503050406030204" pitchFamily="18" charset="0"/>
+                                </a:rPr>
+                                <m:t>2</m:t>
+                              </m:r>
+                            </m:sub>
+                          </m:sSub>
+                          <m:r>
+                            <a:rPr lang="tr-TR" b="0" i="1" smtClean="0">
+                              <a:latin typeface="Cambria Math" panose="02040503050406030204" pitchFamily="18" charset="0"/>
+                            </a:rPr>
+                            <m:t>+…+</m:t>
+                          </m:r>
+                          <m:sSub>
+                            <m:sSubPr>
+                              <m:ctrlPr>
+                                <a:rPr lang="tr-TR" b="0" i="1" smtClean="0">
+                                  <a:latin typeface="Cambria Math" panose="02040503050406030204" pitchFamily="18" charset="0"/>
+                                </a:rPr>
+                              </m:ctrlPr>
+                            </m:sSubPr>
+                            <m:e>
+                              <m:r>
+                                <a:rPr lang="tr-TR" b="0" i="1" smtClean="0">
+                                  <a:latin typeface="Cambria Math" panose="02040503050406030204" pitchFamily="18" charset="0"/>
+                                </a:rPr>
+                                <m:t>𝑞</m:t>
+                              </m:r>
+                            </m:e>
+                            <m:sub>
+                              <m:r>
+                                <a:rPr lang="tr-TR" b="0" i="1" smtClean="0">
+                                  <a:latin typeface="Cambria Math" panose="02040503050406030204" pitchFamily="18" charset="0"/>
+                                </a:rPr>
+                                <m:t>𝑛</m:t>
+                              </m:r>
+                            </m:sub>
+                          </m:sSub>
+                        </m:num>
+                        <m:den>
+                          <m:r>
+                            <a:rPr lang="tr-TR" b="0" i="1" smtClean="0">
+                              <a:latin typeface="Cambria Math" panose="02040503050406030204" pitchFamily="18" charset="0"/>
+                            </a:rPr>
+                            <m:t>2</m:t>
+                          </m:r>
+                          <m:r>
+                            <a:rPr lang="tr-TR" b="0" i="1" smtClean="0">
+                              <a:latin typeface="Cambria Math" panose="02040503050406030204" pitchFamily="18" charset="0"/>
+                            </a:rPr>
+                            <m:t>𝑝𝑚</m:t>
+                          </m:r>
+                        </m:den>
+                      </m:f>
                     </m:oMath>
                   </m:oMathPara>
                 </a14:m>
@@ -6773,11 +6950,19 @@
           <a:lstStyle/>
           <a:p>
             <a:r>
-              <a:rPr lang="tr-TR" dirty="0" err="1"/>
+              <a:rPr lang="tr-TR" dirty="0" err="1">
+                <a:solidFill>
+                  <a:srgbClr val="FF0000"/>
+                </a:solidFill>
+              </a:rPr>
               <a:t>Alternatively</a:t>
             </a:r>
             <a:r>
-              <a:rPr lang="tr-TR" dirty="0"/>
+              <a:rPr lang="tr-TR" dirty="0">
+                <a:solidFill>
+                  <a:srgbClr val="FF0000"/>
+                </a:solidFill>
+              </a:rPr>
               <a:t>:</a:t>
             </a:r>
           </a:p>
@@ -6817,8 +7002,8 @@
         </p:blipFill>
         <p:spPr>
           <a:xfrm>
-            <a:off x="2939944" y="2697379"/>
-            <a:ext cx="4817056" cy="3350996"/>
+            <a:off x="3066434" y="2095737"/>
+            <a:ext cx="5478476" cy="3811114"/>
           </a:xfrm>
           <a:prstGeom prst="rect">
             <a:avLst/>
@@ -7291,11 +7476,10 @@
                       </m:sub>
                     </m:sSub>
                     <m:r>
-                      <a:rPr lang="tr-TR" sz="1800" i="1">
+                      <a:rPr lang="tr-TR" sz="1800" b="0" i="1" smtClean="0">
                         <a:latin typeface="Cambria Math" panose="02040503050406030204" pitchFamily="18" charset="0"/>
-                        <a:ea typeface="Cambria Math" panose="02040503050406030204" pitchFamily="18" charset="0"/>
                       </a:rPr>
-                      <m:t>≈</m:t>
+                      <m:t>=</m:t>
                     </m:r>
                     <m:r>
                       <a:rPr lang="tr-TR" sz="1800" b="0" i="1" smtClean="0">
@@ -7316,7 +7500,14 @@
                         <a:latin typeface="Cambria Math" panose="02040503050406030204" pitchFamily="18" charset="0"/>
                         <a:ea typeface="Cambria Math" panose="02040503050406030204" pitchFamily="18" charset="0"/>
                       </a:rPr>
-                      <m:t>=2</m:t>
+                      <m:t>≈</m:t>
+                    </m:r>
+                    <m:r>
+                      <a:rPr lang="tr-TR" sz="1800" b="0" i="1" smtClean="0">
+                        <a:latin typeface="Cambria Math" panose="02040503050406030204" pitchFamily="18" charset="0"/>
+                        <a:ea typeface="Cambria Math" panose="02040503050406030204" pitchFamily="18" charset="0"/>
+                      </a:rPr>
+                      <m:t>2</m:t>
                     </m:r>
                     <m:r>
                       <a:rPr lang="tr-TR" sz="1800" b="0" i="1" smtClean="0">
@@ -7696,26 +7887,50 @@
               <a:p>
                 <a:pPr lvl="2"/>
                 <a:r>
-                  <a:rPr lang="tr-TR" sz="1400" dirty="0" err="1"/>
+                  <a:rPr lang="tr-TR" sz="1800" dirty="0" err="1">
+                    <a:solidFill>
+                      <a:srgbClr val="FF0000"/>
+                    </a:solidFill>
+                  </a:rPr>
                   <a:t>Alternatively</a:t>
                 </a:r>
                 <a:r>
-                  <a:rPr lang="tr-TR" sz="1400" dirty="0"/>
+                  <a:rPr lang="tr-TR" sz="1800" dirty="0">
+                    <a:solidFill>
+                      <a:srgbClr val="FF0000"/>
+                    </a:solidFill>
+                  </a:rPr>
                   <a:t>: </a:t>
                 </a:r>
                 <a:r>
-                  <a:rPr lang="tr-TR" sz="1400" dirty="0" err="1"/>
+                  <a:rPr lang="tr-TR" sz="1800" dirty="0" err="1">
+                    <a:solidFill>
+                      <a:srgbClr val="FF0000"/>
+                    </a:solidFill>
+                  </a:rPr>
                   <a:t>Zone</a:t>
                 </a:r>
                 <a:r>
-                  <a:rPr lang="tr-TR" sz="1400" dirty="0"/>
+                  <a:rPr lang="tr-TR" sz="1800" dirty="0">
+                    <a:solidFill>
+                      <a:srgbClr val="FF0000"/>
+                    </a:solidFill>
+                  </a:rPr>
                   <a:t> </a:t>
                 </a:r>
                 <a:r>
-                  <a:rPr lang="tr-TR" sz="1400" dirty="0" err="1"/>
+                  <a:rPr lang="tr-TR" sz="1800" dirty="0" err="1">
+                    <a:solidFill>
+                      <a:srgbClr val="FF0000"/>
+                    </a:solidFill>
+                  </a:rPr>
                   <a:t>Short-Pitching</a:t>
                 </a:r>
-                <a:endParaRPr lang="tr-TR" sz="1400" dirty="0"/>
+                <a:endParaRPr lang="tr-TR" sz="1800" dirty="0">
+                  <a:solidFill>
+                    <a:srgbClr val="FF0000"/>
+                  </a:solidFill>
+                </a:endParaRPr>
               </a:p>
               <a:p>
                 <a:pPr marL="0" indent="0">

--- a/Presentations/Keysani_Sunum_Winding_Design_2023_03_08.pptx
+++ b/Presentations/Keysani_Sunum_Winding_Design_2023_03_08.pptx
@@ -6476,8 +6476,8 @@
           </a:p>
         </p:txBody>
       </p:sp>
-      <mc:AlternateContent xmlns:mc="http://schemas.openxmlformats.org/markup-compatibility/2006">
-        <mc:Choice xmlns:a14="http://schemas.microsoft.com/office/drawing/2010/main" Requires="a14">
+      <mc:AlternateContent xmlns:mc="http://schemas.openxmlformats.org/markup-compatibility/2006" xmlns:a14="http://schemas.microsoft.com/office/drawing/2010/main">
+        <mc:Choice Requires="a14">
           <p:sp>
             <p:nvSpPr>
               <p:cNvPr id="3" name="Content Placeholder 2">
@@ -6817,7 +6817,7 @@
             </p:txBody>
           </p:sp>
         </mc:Choice>
-        <mc:Fallback>
+        <mc:Fallback xmlns="">
           <p:sp>
             <p:nvSpPr>
               <p:cNvPr id="3" name="Content Placeholder 2">
@@ -7500,14 +7500,7 @@
                         <a:latin typeface="Cambria Math" panose="02040503050406030204" pitchFamily="18" charset="0"/>
                         <a:ea typeface="Cambria Math" panose="02040503050406030204" pitchFamily="18" charset="0"/>
                       </a:rPr>
-                      <m:t>≈</m:t>
-                    </m:r>
-                    <m:r>
-                      <a:rPr lang="tr-TR" sz="1800" b="0" i="1" smtClean="0">
-                        <a:latin typeface="Cambria Math" panose="02040503050406030204" pitchFamily="18" charset="0"/>
-                        <a:ea typeface="Cambria Math" panose="02040503050406030204" pitchFamily="18" charset="0"/>
-                      </a:rPr>
-                      <m:t>2</m:t>
+                      <m:t>≈2</m:t>
                     </m:r>
                     <m:r>
                       <a:rPr lang="tr-TR" sz="1800" b="0" i="1" smtClean="0">
@@ -7924,7 +7917,7 @@
                       <a:srgbClr val="FF0000"/>
                     </a:solidFill>
                   </a:rPr>
-                  <a:t>Short-Pitching</a:t>
+                  <a:t>Displacement</a:t>
                 </a:r>
                 <a:endParaRPr lang="tr-TR" sz="1800" dirty="0">
                   <a:solidFill>

--- a/Presentations/Keysani_Sunum_Winding_Design_2023_03_08.pptx
+++ b/Presentations/Keysani_Sunum_Winding_Design_2023_03_08.pptx
@@ -22,10 +22,11 @@
     <p:sldId id="273" r:id="rId16"/>
     <p:sldId id="274" r:id="rId17"/>
     <p:sldId id="276" r:id="rId18"/>
-    <p:sldId id="262" r:id="rId19"/>
-    <p:sldId id="264" r:id="rId20"/>
-    <p:sldId id="263" r:id="rId21"/>
-    <p:sldId id="275" r:id="rId22"/>
+    <p:sldId id="277" r:id="rId19"/>
+    <p:sldId id="262" r:id="rId20"/>
+    <p:sldId id="264" r:id="rId21"/>
+    <p:sldId id="263" r:id="rId22"/>
+    <p:sldId id="275" r:id="rId23"/>
   </p:sldIdLst>
   <p:sldSz cx="12192000" cy="6858000"/>
   <p:notesSz cx="6858000" cy="9144000"/>
@@ -279,7 +280,7 @@
           <a:p>
             <a:fld id="{72A68771-77A4-4E4C-9024-F74A9CFD60C2}" type="datetimeFigureOut">
               <a:rPr lang="en-US" smtClean="0"/>
-              <a:t>3/12/2023</a:t>
+              <a:t>3/13/2023</a:t>
             </a:fld>
             <a:endParaRPr lang="en-US"/>
           </a:p>
@@ -477,7 +478,7 @@
           <a:p>
             <a:fld id="{72A68771-77A4-4E4C-9024-F74A9CFD60C2}" type="datetimeFigureOut">
               <a:rPr lang="en-US" smtClean="0"/>
-              <a:t>3/12/2023</a:t>
+              <a:t>3/13/2023</a:t>
             </a:fld>
             <a:endParaRPr lang="en-US"/>
           </a:p>
@@ -685,7 +686,7 @@
           <a:p>
             <a:fld id="{72A68771-77A4-4E4C-9024-F74A9CFD60C2}" type="datetimeFigureOut">
               <a:rPr lang="en-US" smtClean="0"/>
-              <a:t>3/12/2023</a:t>
+              <a:t>3/13/2023</a:t>
             </a:fld>
             <a:endParaRPr lang="en-US"/>
           </a:p>
@@ -883,7 +884,7 @@
           <a:p>
             <a:fld id="{72A68771-77A4-4E4C-9024-F74A9CFD60C2}" type="datetimeFigureOut">
               <a:rPr lang="en-US" smtClean="0"/>
-              <a:t>3/12/2023</a:t>
+              <a:t>3/13/2023</a:t>
             </a:fld>
             <a:endParaRPr lang="en-US"/>
           </a:p>
@@ -1158,7 +1159,7 @@
           <a:p>
             <a:fld id="{72A68771-77A4-4E4C-9024-F74A9CFD60C2}" type="datetimeFigureOut">
               <a:rPr lang="en-US" smtClean="0"/>
-              <a:t>3/12/2023</a:t>
+              <a:t>3/13/2023</a:t>
             </a:fld>
             <a:endParaRPr lang="en-US"/>
           </a:p>
@@ -1423,7 +1424,7 @@
           <a:p>
             <a:fld id="{72A68771-77A4-4E4C-9024-F74A9CFD60C2}" type="datetimeFigureOut">
               <a:rPr lang="en-US" smtClean="0"/>
-              <a:t>3/12/2023</a:t>
+              <a:t>3/13/2023</a:t>
             </a:fld>
             <a:endParaRPr lang="en-US"/>
           </a:p>
@@ -1835,7 +1836,7 @@
           <a:p>
             <a:fld id="{72A68771-77A4-4E4C-9024-F74A9CFD60C2}" type="datetimeFigureOut">
               <a:rPr lang="en-US" smtClean="0"/>
-              <a:t>3/12/2023</a:t>
+              <a:t>3/13/2023</a:t>
             </a:fld>
             <a:endParaRPr lang="en-US"/>
           </a:p>
@@ -1976,7 +1977,7 @@
           <a:p>
             <a:fld id="{72A68771-77A4-4E4C-9024-F74A9CFD60C2}" type="datetimeFigureOut">
               <a:rPr lang="en-US" smtClean="0"/>
-              <a:t>3/12/2023</a:t>
+              <a:t>3/13/2023</a:t>
             </a:fld>
             <a:endParaRPr lang="en-US"/>
           </a:p>
@@ -2089,7 +2090,7 @@
           <a:p>
             <a:fld id="{72A68771-77A4-4E4C-9024-F74A9CFD60C2}" type="datetimeFigureOut">
               <a:rPr lang="en-US" smtClean="0"/>
-              <a:t>3/12/2023</a:t>
+              <a:t>3/13/2023</a:t>
             </a:fld>
             <a:endParaRPr lang="en-US"/>
           </a:p>
@@ -2400,7 +2401,7 @@
           <a:p>
             <a:fld id="{72A68771-77A4-4E4C-9024-F74A9CFD60C2}" type="datetimeFigureOut">
               <a:rPr lang="en-US" smtClean="0"/>
-              <a:t>3/12/2023</a:t>
+              <a:t>3/13/2023</a:t>
             </a:fld>
             <a:endParaRPr lang="en-US"/>
           </a:p>
@@ -2688,7 +2689,7 @@
           <a:p>
             <a:fld id="{72A68771-77A4-4E4C-9024-F74A9CFD60C2}" type="datetimeFigureOut">
               <a:rPr lang="en-US" smtClean="0"/>
-              <a:t>3/12/2023</a:t>
+              <a:t>3/13/2023</a:t>
             </a:fld>
             <a:endParaRPr lang="en-US"/>
           </a:p>
@@ -2929,7 +2930,7 @@
           <a:p>
             <a:fld id="{72A68771-77A4-4E4C-9024-F74A9CFD60C2}" type="datetimeFigureOut">
               <a:rPr lang="en-US" smtClean="0"/>
-              <a:t>3/12/2023</a:t>
+              <a:t>3/13/2023</a:t>
             </a:fld>
             <a:endParaRPr lang="en-US"/>
           </a:p>
@@ -3815,11 +3816,11 @@
           <a:lstStyle/>
           <a:p>
             <a:r>
-              <a:rPr lang="tr-TR" dirty="0" err="1"/>
+              <a:rPr lang="tr-TR" b="1" dirty="0" err="1"/>
               <a:t>Aim</a:t>
             </a:r>
             <a:r>
-              <a:rPr lang="tr-TR" dirty="0"/>
+              <a:rPr lang="tr-TR" b="1" dirty="0"/>
               <a:t>: </a:t>
             </a:r>
             <a:r>
@@ -3838,16 +3839,16 @@
           </a:p>
           <a:p>
             <a:r>
-              <a:rPr lang="tr-TR" dirty="0" err="1"/>
+              <a:rPr lang="tr-TR" b="1" dirty="0" err="1"/>
               <a:t>Method</a:t>
             </a:r>
             <a:r>
-              <a:rPr lang="tr-TR" dirty="0"/>
+              <a:rPr lang="tr-TR" b="1" dirty="0"/>
               <a:t>: </a:t>
             </a:r>
             <a:r>
               <a:rPr lang="tr-TR" dirty="0" err="1"/>
-              <a:t>Spirs</a:t>
+              <a:t>Strands</a:t>
             </a:r>
             <a:r>
               <a:rPr lang="tr-TR" dirty="0"/>
@@ -3870,7 +3871,7 @@
           <a:p>
             <a:r>
               <a:rPr lang="tr-TR" dirty="0"/>
-              <a:t>180º, 360º, 540º </a:t>
+              <a:t>180°, 360°, 540° </a:t>
             </a:r>
             <a:r>
               <a:rPr lang="tr-TR" dirty="0" err="1"/>
@@ -3878,13 +3879,13 @@
             </a:r>
             <a:r>
               <a:rPr lang="tr-TR" dirty="0"/>
-              <a:t> 720º</a:t>
-            </a:r>
-          </a:p>
-          <a:p>
-            <a:r>
-              <a:rPr lang="tr-TR" dirty="0"/>
-              <a:t>360º is </a:t>
+              <a:t> 720°</a:t>
+            </a:r>
+          </a:p>
+          <a:p>
+            <a:r>
+              <a:rPr lang="tr-TR" dirty="0"/>
+              <a:t>360° is </a:t>
             </a:r>
             <a:r>
               <a:rPr lang="tr-TR" dirty="0" err="1"/>
@@ -4426,7 +4427,7 @@
           <p:cNvPr id="2" name="Title 1">
             <a:extLst>
               <a:ext uri="{FF2B5EF4-FFF2-40B4-BE49-F238E27FC236}">
-                <a16:creationId xmlns:a16="http://schemas.microsoft.com/office/drawing/2014/main" id="{EC5B8DC3-8910-4881-A16A-E0A72BCFB02A}"/>
+                <a16:creationId xmlns:a16="http://schemas.microsoft.com/office/drawing/2014/main" id="{E3829D72-2BF0-4026-A0C4-C25761E57055}"/>
               </a:ext>
             </a:extLst>
           </p:cNvPr>
@@ -4444,281 +4445,53 @@
           <a:p>
             <a:r>
               <a:rPr lang="tr-TR" dirty="0" err="1"/>
-              <a:t>Conclusion</a:t>
+              <a:t>Roebel</a:t>
+            </a:r>
+            <a:r>
+              <a:rPr lang="tr-TR" dirty="0"/>
+              <a:t> </a:t>
+            </a:r>
+            <a:r>
+              <a:rPr lang="tr-TR" dirty="0" err="1"/>
+              <a:t>Transposition</a:t>
             </a:r>
             <a:endParaRPr lang="en-US" dirty="0"/>
           </a:p>
         </p:txBody>
       </p:sp>
-      <p:sp>
-        <p:nvSpPr>
-          <p:cNvPr id="3" name="Content Placeholder 2">
-            <a:extLst>
-              <a:ext uri="{FF2B5EF4-FFF2-40B4-BE49-F238E27FC236}">
-                <a16:creationId xmlns:a16="http://schemas.microsoft.com/office/drawing/2014/main" id="{9CE51DE4-0204-42CD-A1E1-4F701A6D58A8}"/>
-              </a:ext>
-            </a:extLst>
-          </p:cNvPr>
-          <p:cNvSpPr>
-            <a:spLocks noGrp="1"/>
-          </p:cNvSpPr>
+      <p:pic>
+        <p:nvPicPr>
+          <p:cNvPr id="5" name="Content Placeholder 4">
+            <a:extLst>
+              <a:ext uri="{FF2B5EF4-FFF2-40B4-BE49-F238E27FC236}">
+                <a16:creationId xmlns:a16="http://schemas.microsoft.com/office/drawing/2014/main" id="{3048DE63-0FD4-4123-9BFD-D07BDE3D2F1A}"/>
+              </a:ext>
+            </a:extLst>
+          </p:cNvPr>
+          <p:cNvPicPr>
+            <a:picLocks noGrp="1" noChangeAspect="1"/>
+          </p:cNvPicPr>
           <p:nvPr>
             <p:ph idx="1"/>
           </p:nvPr>
-        </p:nvSpPr>
-        <p:spPr/>
-        <p:txBody>
-          <a:bodyPr/>
-          <a:lstStyle/>
-          <a:p>
-            <a:r>
-              <a:rPr lang="tr-TR" dirty="0" err="1"/>
-              <a:t>Electromagnetically</a:t>
-            </a:r>
-            <a:r>
-              <a:rPr lang="tr-TR" dirty="0"/>
-              <a:t>, </a:t>
-            </a:r>
-            <a:r>
-              <a:rPr lang="tr-TR" dirty="0" err="1"/>
-              <a:t>there</a:t>
-            </a:r>
-            <a:r>
-              <a:rPr lang="tr-TR" dirty="0"/>
-              <a:t> is </a:t>
-            </a:r>
-            <a:r>
-              <a:rPr lang="tr-TR" dirty="0" err="1"/>
-              <a:t>no</a:t>
-            </a:r>
-            <a:r>
-              <a:rPr lang="tr-TR" dirty="0"/>
-              <a:t> </a:t>
-            </a:r>
-            <a:r>
-              <a:rPr lang="tr-TR" dirty="0" err="1"/>
-              <a:t>difference</a:t>
-            </a:r>
-            <a:r>
-              <a:rPr lang="tr-TR" dirty="0"/>
-              <a:t> </a:t>
-            </a:r>
-            <a:r>
-              <a:rPr lang="tr-TR" dirty="0" err="1"/>
-              <a:t>between</a:t>
-            </a:r>
-            <a:r>
-              <a:rPr lang="tr-TR" dirty="0"/>
-              <a:t> </a:t>
-            </a:r>
-            <a:r>
-              <a:rPr lang="tr-TR" dirty="0" err="1"/>
-              <a:t>wave</a:t>
-            </a:r>
-            <a:r>
-              <a:rPr lang="tr-TR" dirty="0"/>
-              <a:t> </a:t>
-            </a:r>
-            <a:r>
-              <a:rPr lang="tr-TR" dirty="0" err="1"/>
-              <a:t>and</a:t>
-            </a:r>
-            <a:r>
-              <a:rPr lang="tr-TR" dirty="0"/>
-              <a:t> lap </a:t>
-            </a:r>
-            <a:r>
-              <a:rPr lang="tr-TR" dirty="0" err="1"/>
-              <a:t>windings</a:t>
-            </a:r>
-            <a:r>
-              <a:rPr lang="tr-TR" dirty="0"/>
-              <a:t>. </a:t>
-            </a:r>
-          </a:p>
-          <a:p>
-            <a:r>
-              <a:rPr lang="tr-TR" dirty="0" err="1"/>
-              <a:t>Again</a:t>
-            </a:r>
-            <a:r>
-              <a:rPr lang="tr-TR" dirty="0"/>
-              <a:t>, </a:t>
-            </a:r>
-            <a:r>
-              <a:rPr lang="tr-TR" dirty="0" err="1"/>
-              <a:t>there</a:t>
-            </a:r>
-            <a:r>
-              <a:rPr lang="tr-TR" dirty="0"/>
-              <a:t> is </a:t>
-            </a:r>
-            <a:r>
-              <a:rPr lang="tr-TR" dirty="0" err="1"/>
-              <a:t>no</a:t>
-            </a:r>
-            <a:r>
-              <a:rPr lang="tr-TR" dirty="0"/>
-              <a:t> </a:t>
-            </a:r>
-            <a:r>
-              <a:rPr lang="tr-TR" dirty="0" err="1"/>
-              <a:t>difference</a:t>
-            </a:r>
-            <a:r>
-              <a:rPr lang="tr-TR" dirty="0"/>
-              <a:t> </a:t>
-            </a:r>
-            <a:r>
-              <a:rPr lang="tr-TR" dirty="0" err="1"/>
-              <a:t>between</a:t>
-            </a:r>
-            <a:r>
-              <a:rPr lang="tr-TR" dirty="0"/>
-              <a:t> </a:t>
-            </a:r>
-            <a:r>
-              <a:rPr lang="tr-TR" dirty="0" err="1"/>
-              <a:t>zone-short</a:t>
-            </a:r>
-            <a:r>
-              <a:rPr lang="tr-TR" dirty="0"/>
-              <a:t> </a:t>
-            </a:r>
-            <a:r>
-              <a:rPr lang="tr-TR" dirty="0" err="1"/>
-              <a:t>pitching</a:t>
-            </a:r>
-            <a:r>
-              <a:rPr lang="tr-TR" dirty="0"/>
-              <a:t> </a:t>
-            </a:r>
-            <a:r>
-              <a:rPr lang="tr-TR" dirty="0" err="1"/>
-              <a:t>and</a:t>
-            </a:r>
-            <a:r>
-              <a:rPr lang="tr-TR" dirty="0"/>
-              <a:t> </a:t>
-            </a:r>
-            <a:r>
-              <a:rPr lang="tr-TR" dirty="0" err="1"/>
-              <a:t>conventionally</a:t>
-            </a:r>
-            <a:r>
-              <a:rPr lang="tr-TR" dirty="0"/>
-              <a:t> </a:t>
-            </a:r>
-            <a:r>
-              <a:rPr lang="tr-TR" dirty="0" err="1"/>
-              <a:t>short</a:t>
-            </a:r>
-            <a:r>
-              <a:rPr lang="tr-TR" dirty="0"/>
-              <a:t> </a:t>
-            </a:r>
-            <a:r>
-              <a:rPr lang="tr-TR" dirty="0" err="1"/>
-              <a:t>pitching</a:t>
-            </a:r>
-            <a:r>
-              <a:rPr lang="tr-TR" dirty="0"/>
-              <a:t>.</a:t>
-            </a:r>
-          </a:p>
-          <a:p>
-            <a:r>
-              <a:rPr lang="tr-TR" dirty="0"/>
-              <a:t>360º </a:t>
-            </a:r>
-            <a:r>
-              <a:rPr lang="tr-TR" dirty="0" err="1"/>
-              <a:t>Roebel</a:t>
-            </a:r>
-            <a:r>
-              <a:rPr lang="tr-TR" dirty="0"/>
-              <a:t> </a:t>
-            </a:r>
-            <a:r>
-              <a:rPr lang="tr-TR" dirty="0" err="1"/>
-              <a:t>transposition</a:t>
-            </a:r>
-            <a:r>
-              <a:rPr lang="tr-TR" dirty="0"/>
-              <a:t> is </a:t>
-            </a:r>
-            <a:r>
-              <a:rPr lang="tr-TR" dirty="0" err="1"/>
-              <a:t>generally</a:t>
-            </a:r>
-            <a:r>
-              <a:rPr lang="tr-TR" dirty="0"/>
-              <a:t> </a:t>
-            </a:r>
-            <a:r>
-              <a:rPr lang="tr-TR" dirty="0" err="1"/>
-              <a:t>suitable</a:t>
-            </a:r>
-            <a:r>
-              <a:rPr lang="tr-TR" dirty="0"/>
-              <a:t> </a:t>
-            </a:r>
-            <a:r>
-              <a:rPr lang="tr-TR" dirty="0" err="1"/>
-              <a:t>for</a:t>
-            </a:r>
-            <a:r>
-              <a:rPr lang="tr-TR" dirty="0"/>
-              <a:t> </a:t>
-            </a:r>
-            <a:r>
-              <a:rPr lang="tr-TR" dirty="0" err="1"/>
-              <a:t>hydro</a:t>
-            </a:r>
-            <a:r>
-              <a:rPr lang="tr-TR" dirty="0"/>
-              <a:t> </a:t>
-            </a:r>
-            <a:r>
-              <a:rPr lang="tr-TR" dirty="0" err="1"/>
-              <a:t>generators</a:t>
-            </a:r>
-            <a:r>
-              <a:rPr lang="tr-TR" dirty="0"/>
-              <a:t>, as </a:t>
-            </a:r>
-            <a:r>
-              <a:rPr lang="tr-TR" dirty="0" err="1"/>
-              <a:t>well</a:t>
-            </a:r>
-            <a:r>
-              <a:rPr lang="tr-TR" dirty="0"/>
-              <a:t> as </a:t>
-            </a:r>
-            <a:r>
-              <a:rPr lang="tr-TR" dirty="0" err="1"/>
-              <a:t>our</a:t>
-            </a:r>
-            <a:r>
-              <a:rPr lang="tr-TR" dirty="0"/>
-              <a:t> </a:t>
-            </a:r>
-            <a:r>
-              <a:rPr lang="tr-TR" dirty="0" err="1"/>
-              <a:t>case</a:t>
-            </a:r>
-            <a:r>
-              <a:rPr lang="tr-TR" dirty="0"/>
-              <a:t>.</a:t>
-            </a:r>
-            <a:endParaRPr lang="en-US" dirty="0"/>
-          </a:p>
-        </p:txBody>
-      </p:sp>
+        </p:nvPicPr>
+        <p:blipFill>
+          <a:blip r:embed="rId2"/>
+          <a:stretch>
+            <a:fillRect/>
+          </a:stretch>
+        </p:blipFill>
+        <p:spPr>
+          <a:xfrm rot="16200000">
+            <a:off x="4400550" y="443195"/>
+            <a:ext cx="3390900" cy="6652930"/>
+          </a:xfrm>
+        </p:spPr>
+      </p:pic>
     </p:spTree>
     <p:extLst>
       <p:ext uri="{BB962C8B-B14F-4D97-AF65-F5344CB8AC3E}">
-        <p14:creationId xmlns:p14="http://schemas.microsoft.com/office/powerpoint/2010/main" val="1504194335"/>
+        <p14:creationId xmlns:p14="http://schemas.microsoft.com/office/powerpoint/2010/main" val="665292205"/>
       </p:ext>
     </p:extLst>
   </p:cSld>
@@ -4750,7 +4523,7 @@
           <p:cNvPr id="2" name="Title 1">
             <a:extLst>
               <a:ext uri="{FF2B5EF4-FFF2-40B4-BE49-F238E27FC236}">
-                <a16:creationId xmlns:a16="http://schemas.microsoft.com/office/drawing/2014/main" id="{6D54C642-024C-495D-810A-29D1802D959C}"/>
+                <a16:creationId xmlns:a16="http://schemas.microsoft.com/office/drawing/2014/main" id="{EC5B8DC3-8910-4881-A16A-E0A72BCFB02A}"/>
               </a:ext>
             </a:extLst>
           </p:cNvPr>
@@ -4768,15 +4541,7 @@
           <a:p>
             <a:r>
               <a:rPr lang="tr-TR" dirty="0" err="1"/>
-              <a:t>Past</a:t>
-            </a:r>
-            <a:r>
-              <a:rPr lang="tr-TR" dirty="0"/>
-              <a:t> </a:t>
-            </a:r>
-            <a:r>
-              <a:rPr lang="tr-TR" dirty="0" err="1"/>
-              <a:t>Plans</a:t>
+              <a:t>Conclusion</a:t>
             </a:r>
             <a:endParaRPr lang="en-US" dirty="0"/>
           </a:p>
@@ -4787,7 +4552,7 @@
           <p:cNvPr id="3" name="Content Placeholder 2">
             <a:extLst>
               <a:ext uri="{FF2B5EF4-FFF2-40B4-BE49-F238E27FC236}">
-                <a16:creationId xmlns:a16="http://schemas.microsoft.com/office/drawing/2014/main" id="{AAFC12CE-601F-48FE-AA29-041EE35C9CDC}"/>
+                <a16:creationId xmlns:a16="http://schemas.microsoft.com/office/drawing/2014/main" id="{9CE51DE4-0204-42CD-A1E1-4F701A6D58A8}"/>
               </a:ext>
             </a:extLst>
           </p:cNvPr>
@@ -4804,12 +4569,24 @@
           <a:lstStyle/>
           <a:p>
             <a:r>
-              <a:rPr lang="tr-TR" dirty="0"/>
-              <a:t>Conference </a:t>
-            </a:r>
-            <a:r>
-              <a:rPr lang="tr-TR" dirty="0" err="1"/>
-              <a:t>paper</a:t>
+              <a:rPr lang="tr-TR" dirty="0" err="1"/>
+              <a:t>Electromagnetically</a:t>
+            </a:r>
+            <a:r>
+              <a:rPr lang="tr-TR" dirty="0"/>
+              <a:t>, </a:t>
+            </a:r>
+            <a:r>
+              <a:rPr lang="tr-TR" dirty="0" err="1"/>
+              <a:t>there</a:t>
+            </a:r>
+            <a:r>
+              <a:rPr lang="tr-TR" dirty="0"/>
+              <a:t> is </a:t>
+            </a:r>
+            <a:r>
+              <a:rPr lang="tr-TR" dirty="0" err="1"/>
+              <a:t>no</a:t>
             </a:r>
             <a:r>
               <a:rPr lang="tr-TR" dirty="0"/>
@@ -4817,32 +4594,228 @@
             </a:r>
             <a:r>
               <a:rPr lang="tr-TR" dirty="0" err="1"/>
-              <a:t>published</a:t>
-            </a:r>
-            <a:r>
-              <a:rPr lang="tr-TR" dirty="0"/>
-              <a:t>: </a:t>
-            </a:r>
-            <a:r>
-              <a:rPr lang="en-US" dirty="0"/>
-              <a:t>WEMDCD23</a:t>
-            </a:r>
-            <a:r>
-              <a:rPr lang="tr-TR" dirty="0"/>
-              <a:t> / </a:t>
-            </a:r>
-            <a:r>
-              <a:rPr lang="en-US" dirty="0"/>
-              <a:t>Winding Type Alternation of a Refurbished Old Generator</a:t>
-            </a:r>
-            <a:endParaRPr lang="tr-TR" dirty="0"/>
+              <a:t>difference</a:t>
+            </a:r>
+            <a:r>
+              <a:rPr lang="tr-TR" dirty="0"/>
+              <a:t> </a:t>
+            </a:r>
+            <a:r>
+              <a:rPr lang="tr-TR" dirty="0" err="1"/>
+              <a:t>between</a:t>
+            </a:r>
+            <a:r>
+              <a:rPr lang="tr-TR" dirty="0"/>
+              <a:t> </a:t>
+            </a:r>
+            <a:r>
+              <a:rPr lang="tr-TR" dirty="0" err="1"/>
+              <a:t>wave</a:t>
+            </a:r>
+            <a:r>
+              <a:rPr lang="tr-TR" dirty="0"/>
+              <a:t> </a:t>
+            </a:r>
+            <a:r>
+              <a:rPr lang="tr-TR" dirty="0" err="1"/>
+              <a:t>and</a:t>
+            </a:r>
+            <a:r>
+              <a:rPr lang="tr-TR" dirty="0"/>
+              <a:t> lap </a:t>
+            </a:r>
+            <a:r>
+              <a:rPr lang="tr-TR" dirty="0" err="1"/>
+              <a:t>windings</a:t>
+            </a:r>
+            <a:r>
+              <a:rPr lang="tr-TR" dirty="0"/>
+              <a:t>. </a:t>
+            </a:r>
+          </a:p>
+          <a:p>
+            <a:r>
+              <a:rPr lang="tr-TR" dirty="0" err="1"/>
+              <a:t>Again</a:t>
+            </a:r>
+            <a:r>
+              <a:rPr lang="tr-TR" dirty="0"/>
+              <a:t>, </a:t>
+            </a:r>
+            <a:r>
+              <a:rPr lang="tr-TR" dirty="0" err="1"/>
+              <a:t>there</a:t>
+            </a:r>
+            <a:r>
+              <a:rPr lang="tr-TR" dirty="0"/>
+              <a:t> is </a:t>
+            </a:r>
+            <a:r>
+              <a:rPr lang="tr-TR" dirty="0" err="1"/>
+              <a:t>no</a:t>
+            </a:r>
+            <a:r>
+              <a:rPr lang="tr-TR" dirty="0"/>
+              <a:t> </a:t>
+            </a:r>
+            <a:r>
+              <a:rPr lang="tr-TR" dirty="0" err="1"/>
+              <a:t>difference</a:t>
+            </a:r>
+            <a:r>
+              <a:rPr lang="tr-TR" dirty="0"/>
+              <a:t> </a:t>
+            </a:r>
+            <a:r>
+              <a:rPr lang="tr-TR" dirty="0" err="1"/>
+              <a:t>between</a:t>
+            </a:r>
+            <a:r>
+              <a:rPr lang="tr-TR" dirty="0"/>
+              <a:t> </a:t>
+            </a:r>
+            <a:r>
+              <a:rPr lang="tr-TR" dirty="0" err="1"/>
+              <a:t>zone-short</a:t>
+            </a:r>
+            <a:r>
+              <a:rPr lang="tr-TR" dirty="0"/>
+              <a:t> </a:t>
+            </a:r>
+            <a:r>
+              <a:rPr lang="tr-TR" dirty="0" err="1"/>
+              <a:t>pitching</a:t>
+            </a:r>
+            <a:r>
+              <a:rPr lang="tr-TR" dirty="0"/>
+              <a:t> </a:t>
+            </a:r>
+            <a:r>
+              <a:rPr lang="tr-TR" dirty="0" err="1"/>
+              <a:t>and</a:t>
+            </a:r>
+            <a:r>
+              <a:rPr lang="tr-TR" dirty="0"/>
+              <a:t> </a:t>
+            </a:r>
+            <a:r>
+              <a:rPr lang="tr-TR" dirty="0" err="1"/>
+              <a:t>conventionally</a:t>
+            </a:r>
+            <a:r>
+              <a:rPr lang="tr-TR" dirty="0"/>
+              <a:t> </a:t>
+            </a:r>
+            <a:r>
+              <a:rPr lang="tr-TR" dirty="0" err="1"/>
+              <a:t>short</a:t>
+            </a:r>
+            <a:r>
+              <a:rPr lang="tr-TR" dirty="0"/>
+              <a:t> </a:t>
+            </a:r>
+            <a:r>
+              <a:rPr lang="tr-TR" dirty="0" err="1"/>
+              <a:t>pitching</a:t>
+            </a:r>
+            <a:r>
+              <a:rPr lang="tr-TR" dirty="0"/>
+              <a:t>.</a:t>
+            </a:r>
+          </a:p>
+          <a:p>
+            <a:r>
+              <a:rPr lang="tr-TR" dirty="0"/>
+              <a:t>360º </a:t>
+            </a:r>
+            <a:r>
+              <a:rPr lang="tr-TR" dirty="0" err="1"/>
+              <a:t>Roebel</a:t>
+            </a:r>
+            <a:r>
+              <a:rPr lang="tr-TR" dirty="0"/>
+              <a:t> </a:t>
+            </a:r>
+            <a:r>
+              <a:rPr lang="tr-TR" dirty="0" err="1"/>
+              <a:t>transposition</a:t>
+            </a:r>
+            <a:r>
+              <a:rPr lang="tr-TR" dirty="0"/>
+              <a:t> is </a:t>
+            </a:r>
+            <a:r>
+              <a:rPr lang="tr-TR" dirty="0" err="1"/>
+              <a:t>generally</a:t>
+            </a:r>
+            <a:r>
+              <a:rPr lang="tr-TR" dirty="0"/>
+              <a:t> </a:t>
+            </a:r>
+            <a:r>
+              <a:rPr lang="tr-TR" dirty="0" err="1"/>
+              <a:t>suitable</a:t>
+            </a:r>
+            <a:r>
+              <a:rPr lang="tr-TR" dirty="0"/>
+              <a:t> </a:t>
+            </a:r>
+            <a:r>
+              <a:rPr lang="tr-TR" dirty="0" err="1"/>
+              <a:t>for</a:t>
+            </a:r>
+            <a:r>
+              <a:rPr lang="tr-TR" dirty="0"/>
+              <a:t> </a:t>
+            </a:r>
+            <a:r>
+              <a:rPr lang="tr-TR" dirty="0" err="1"/>
+              <a:t>hydro</a:t>
+            </a:r>
+            <a:r>
+              <a:rPr lang="tr-TR" dirty="0"/>
+              <a:t> </a:t>
+            </a:r>
+            <a:r>
+              <a:rPr lang="tr-TR" dirty="0" err="1"/>
+              <a:t>generators</a:t>
+            </a:r>
+            <a:r>
+              <a:rPr lang="tr-TR" dirty="0"/>
+              <a:t>, as </a:t>
+            </a:r>
+            <a:r>
+              <a:rPr lang="tr-TR" dirty="0" err="1"/>
+              <a:t>well</a:t>
+            </a:r>
+            <a:r>
+              <a:rPr lang="tr-TR" dirty="0"/>
+              <a:t> as </a:t>
+            </a:r>
+            <a:r>
+              <a:rPr lang="tr-TR" dirty="0" err="1"/>
+              <a:t>our</a:t>
+            </a:r>
+            <a:r>
+              <a:rPr lang="tr-TR" dirty="0"/>
+              <a:t> </a:t>
+            </a:r>
+            <a:r>
+              <a:rPr lang="tr-TR" dirty="0" err="1"/>
+              <a:t>case</a:t>
+            </a:r>
+            <a:r>
+              <a:rPr lang="tr-TR" dirty="0"/>
+              <a:t>.</a:t>
+            </a:r>
+            <a:endParaRPr lang="en-US" dirty="0"/>
           </a:p>
         </p:txBody>
       </p:sp>
     </p:spTree>
     <p:extLst>
       <p:ext uri="{BB962C8B-B14F-4D97-AF65-F5344CB8AC3E}">
-        <p14:creationId xmlns:p14="http://schemas.microsoft.com/office/powerpoint/2010/main" val="2552946790"/>
+        <p14:creationId xmlns:p14="http://schemas.microsoft.com/office/powerpoint/2010/main" val="1504194335"/>
       </p:ext>
     </p:extLst>
   </p:cSld>
@@ -5047,6 +5020,154 @@
           <p:cNvPr id="2" name="Title 1">
             <a:extLst>
               <a:ext uri="{FF2B5EF4-FFF2-40B4-BE49-F238E27FC236}">
+                <a16:creationId xmlns:a16="http://schemas.microsoft.com/office/drawing/2014/main" id="{6D54C642-024C-495D-810A-29D1802D959C}"/>
+              </a:ext>
+            </a:extLst>
+          </p:cNvPr>
+          <p:cNvSpPr>
+            <a:spLocks noGrp="1"/>
+          </p:cNvSpPr>
+          <p:nvPr>
+            <p:ph type="title"/>
+          </p:nvPr>
+        </p:nvSpPr>
+        <p:spPr/>
+        <p:txBody>
+          <a:bodyPr/>
+          <a:lstStyle/>
+          <a:p>
+            <a:r>
+              <a:rPr lang="tr-TR" dirty="0" err="1"/>
+              <a:t>Past</a:t>
+            </a:r>
+            <a:r>
+              <a:rPr lang="tr-TR" dirty="0"/>
+              <a:t> </a:t>
+            </a:r>
+            <a:r>
+              <a:rPr lang="tr-TR" dirty="0" err="1"/>
+              <a:t>Plans</a:t>
+            </a:r>
+            <a:endParaRPr lang="en-US" dirty="0"/>
+          </a:p>
+        </p:txBody>
+      </p:sp>
+      <p:sp>
+        <p:nvSpPr>
+          <p:cNvPr id="3" name="Content Placeholder 2">
+            <a:extLst>
+              <a:ext uri="{FF2B5EF4-FFF2-40B4-BE49-F238E27FC236}">
+                <a16:creationId xmlns:a16="http://schemas.microsoft.com/office/drawing/2014/main" id="{AAFC12CE-601F-48FE-AA29-041EE35C9CDC}"/>
+              </a:ext>
+            </a:extLst>
+          </p:cNvPr>
+          <p:cNvSpPr>
+            <a:spLocks noGrp="1"/>
+          </p:cNvSpPr>
+          <p:nvPr>
+            <p:ph idx="1"/>
+          </p:nvPr>
+        </p:nvSpPr>
+        <p:spPr/>
+        <p:txBody>
+          <a:bodyPr/>
+          <a:lstStyle/>
+          <a:p>
+            <a:r>
+              <a:rPr lang="tr-TR" dirty="0"/>
+              <a:t>3D </a:t>
+            </a:r>
+            <a:r>
+              <a:rPr lang="tr-TR" dirty="0" err="1"/>
+              <a:t>Stepping</a:t>
+            </a:r>
+            <a:r>
+              <a:rPr lang="tr-TR" dirty="0"/>
+              <a:t> Model</a:t>
+            </a:r>
+          </a:p>
+          <a:p>
+            <a:r>
+              <a:rPr lang="tr-TR" dirty="0" err="1"/>
+              <a:t>Roebel</a:t>
+            </a:r>
+            <a:r>
+              <a:rPr lang="tr-TR" dirty="0"/>
+              <a:t> Design</a:t>
+            </a:r>
+          </a:p>
+          <a:p>
+            <a:r>
+              <a:rPr lang="tr-TR" dirty="0"/>
+              <a:t>Conference </a:t>
+            </a:r>
+            <a:r>
+              <a:rPr lang="tr-TR" dirty="0" err="1"/>
+              <a:t>paper</a:t>
+            </a:r>
+            <a:r>
+              <a:rPr lang="tr-TR" dirty="0"/>
+              <a:t> </a:t>
+            </a:r>
+            <a:r>
+              <a:rPr lang="tr-TR" dirty="0" err="1"/>
+              <a:t>published</a:t>
+            </a:r>
+            <a:r>
+              <a:rPr lang="tr-TR" dirty="0"/>
+              <a:t>: </a:t>
+            </a:r>
+            <a:r>
+              <a:rPr lang="en-US" dirty="0"/>
+              <a:t>WEMDCD23</a:t>
+            </a:r>
+            <a:r>
+              <a:rPr lang="tr-TR" dirty="0"/>
+              <a:t> / </a:t>
+            </a:r>
+            <a:r>
+              <a:rPr lang="en-US" dirty="0"/>
+              <a:t>Winding Type Alternation of a Refurbished Old Generator</a:t>
+            </a:r>
+            <a:endParaRPr lang="tr-TR" dirty="0"/>
+          </a:p>
+        </p:txBody>
+      </p:sp>
+    </p:spTree>
+    <p:extLst>
+      <p:ext uri="{BB962C8B-B14F-4D97-AF65-F5344CB8AC3E}">
+        <p14:creationId xmlns:p14="http://schemas.microsoft.com/office/powerpoint/2010/main" val="2552946790"/>
+      </p:ext>
+    </p:extLst>
+  </p:cSld>
+  <p:clrMapOvr>
+    <a:masterClrMapping/>
+  </p:clrMapOvr>
+</p:sld>
+</file>
+
+<file path=ppt/slides/slide21.xml><?xml version="1.0" encoding="utf-8"?>
+<p:sld xmlns:a="http://schemas.openxmlformats.org/drawingml/2006/main" xmlns:r="http://schemas.openxmlformats.org/officeDocument/2006/relationships" xmlns:p="http://schemas.openxmlformats.org/presentationml/2006/main">
+  <p:cSld>
+    <p:spTree>
+      <p:nvGrpSpPr>
+        <p:cNvPr id="1" name=""/>
+        <p:cNvGrpSpPr/>
+        <p:nvPr/>
+      </p:nvGrpSpPr>
+      <p:grpSpPr>
+        <a:xfrm>
+          <a:off x="0" y="0"/>
+          <a:ext cx="0" cy="0"/>
+          <a:chOff x="0" y="0"/>
+          <a:chExt cx="0" cy="0"/>
+        </a:xfrm>
+      </p:grpSpPr>
+      <p:sp>
+        <p:nvSpPr>
+          <p:cNvPr id="2" name="Title 1">
+            <a:extLst>
+              <a:ext uri="{FF2B5EF4-FFF2-40B4-BE49-F238E27FC236}">
                 <a16:creationId xmlns:a16="http://schemas.microsoft.com/office/drawing/2014/main" id="{CEB33BD1-7766-44D7-AE96-9538DBC49D8F}"/>
               </a:ext>
             </a:extLst>
@@ -5277,7 +5398,7 @@
 </p:sld>
 </file>
 
-<file path=ppt/slides/slide21.xml><?xml version="1.0" encoding="utf-8"?>
+<file path=ppt/slides/slide22.xml><?xml version="1.0" encoding="utf-8"?>
 <p:sld xmlns:a="http://schemas.openxmlformats.org/drawingml/2006/main" xmlns:r="http://schemas.openxmlformats.org/officeDocument/2006/relationships" xmlns:p="http://schemas.openxmlformats.org/presentationml/2006/main">
   <p:cSld>
     <p:spTree>
@@ -7381,41 +7502,45 @@
               <a:lstStyle/>
               <a:p>
                 <a:r>
-                  <a:rPr lang="tr-TR" dirty="0"/>
+                  <a:rPr lang="tr-TR" sz="1800" b="1" dirty="0"/>
                   <a:t>Problem: </a:t>
                 </a:r>
                 <a:r>
-                  <a:rPr lang="tr-TR" dirty="0" err="1"/>
+                  <a:rPr lang="tr-TR" sz="1800" b="1" dirty="0" err="1"/>
                   <a:t>Constant</a:t>
                 </a:r>
                 <a:r>
-                  <a:rPr lang="tr-TR" dirty="0"/>
+                  <a:rPr lang="tr-TR" sz="1800" b="1" dirty="0"/>
                   <a:t> </a:t>
                 </a:r>
                 <a:r>
-                  <a:rPr lang="tr-TR" dirty="0" err="1"/>
+                  <a:rPr lang="tr-TR" sz="1800" b="1" dirty="0" err="1"/>
                   <a:t>throw</a:t>
                 </a:r>
                 <a:r>
-                  <a:rPr lang="tr-TR" dirty="0"/>
+                  <a:rPr lang="tr-TR" sz="1800" b="1" dirty="0"/>
                   <a:t> of Y = 9 is not </a:t>
                 </a:r>
                 <a:r>
-                  <a:rPr lang="tr-TR" dirty="0" err="1"/>
+                  <a:rPr lang="tr-TR" sz="1800" b="1" dirty="0" err="1"/>
                   <a:t>possible</a:t>
                 </a:r>
                 <a:r>
-                  <a:rPr lang="tr-TR" dirty="0"/>
+                  <a:rPr lang="tr-TR" sz="1800" b="1" dirty="0"/>
                   <a:t>!</a:t>
                 </a:r>
               </a:p>
               <a:p>
-                <a:pPr marL="0" indent="342900">
+                <a:pPr marL="0" indent="228600">
                   <a:buNone/>
                 </a:pPr>
                 <a:r>
+                  <a:rPr lang="tr-TR" sz="1800" b="1" dirty="0"/>
+                  <a:t>Solution:</a:t>
+                </a:r>
+                <a:r>
                   <a:rPr lang="tr-TR" sz="1800" dirty="0"/>
-                  <a:t>Solution: </a:t>
+                  <a:t> </a:t>
                 </a:r>
                 <a14:m>
                   <m:oMath xmlns:m="http://schemas.openxmlformats.org/officeDocument/2006/math">
@@ -7692,12 +7817,16 @@
               </a:p>
               <a:p>
                 <a:r>
-                  <a:rPr lang="tr-TR" sz="1800" dirty="0" err="1"/>
+                  <a:rPr lang="tr-TR" sz="1800" b="1" dirty="0" err="1"/>
                   <a:t>Result</a:t>
                 </a:r>
                 <a:r>
+                  <a:rPr lang="tr-TR" sz="1800" b="1" dirty="0"/>
+                  <a:t>:</a:t>
+                </a:r>
+                <a:r>
                   <a:rPr lang="tr-TR" sz="1800" dirty="0"/>
-                  <a:t>: </a:t>
+                  <a:t> </a:t>
                 </a:r>
                 <a14:m>
                   <m:oMath xmlns:m="http://schemas.openxmlformats.org/officeDocument/2006/math">
@@ -7955,7 +8084,7 @@
               <a:blipFill>
                 <a:blip r:embed="rId2"/>
                 <a:stretch>
-                  <a:fillRect l="-1043" t="-2241"/>
+                  <a:fillRect l="-406" t="-1261"/>
                 </a:stretch>
               </a:blipFill>
             </p:spPr>
@@ -7974,6 +8103,91 @@
           </p:sp>
         </mc:Fallback>
       </mc:AlternateContent>
+      <p:pic>
+        <p:nvPicPr>
+          <p:cNvPr id="7" name="Picture 6">
+            <a:extLst>
+              <a:ext uri="{FF2B5EF4-FFF2-40B4-BE49-F238E27FC236}">
+                <a16:creationId xmlns:a16="http://schemas.microsoft.com/office/drawing/2014/main" id="{071DF491-A94E-443F-8B33-902CBC56234B}"/>
+              </a:ext>
+            </a:extLst>
+          </p:cNvPr>
+          <p:cNvPicPr>
+            <a:picLocks noChangeAspect="1"/>
+          </p:cNvPicPr>
+          <p:nvPr/>
+        </p:nvPicPr>
+        <p:blipFill>
+          <a:blip r:embed="rId3">
+            <a:extLst>
+              <a:ext uri="{28A0092B-C50C-407E-A947-70E740481C1C}">
+                <a14:useLocalDpi xmlns:a14="http://schemas.microsoft.com/office/drawing/2010/main" val="0"/>
+              </a:ext>
+            </a:extLst>
+          </a:blip>
+          <a:stretch>
+            <a:fillRect/>
+          </a:stretch>
+        </p:blipFill>
+        <p:spPr>
+          <a:xfrm>
+            <a:off x="7324725" y="1825625"/>
+            <a:ext cx="4514850" cy="2340198"/>
+          </a:xfrm>
+          <a:prstGeom prst="rect">
+            <a:avLst/>
+          </a:prstGeom>
+        </p:spPr>
+      </p:pic>
+      <p:sp>
+        <p:nvSpPr>
+          <p:cNvPr id="8" name="Rectangle 7">
+            <a:extLst>
+              <a:ext uri="{FF2B5EF4-FFF2-40B4-BE49-F238E27FC236}">
+                <a16:creationId xmlns:a16="http://schemas.microsoft.com/office/drawing/2014/main" id="{4E360F2A-3CDB-473B-871F-C6BA1E04EB42}"/>
+              </a:ext>
+            </a:extLst>
+          </p:cNvPr>
+          <p:cNvSpPr/>
+          <p:nvPr/>
+        </p:nvSpPr>
+        <p:spPr>
+          <a:xfrm>
+            <a:off x="7162800" y="3819525"/>
+            <a:ext cx="1276350" cy="381000"/>
+          </a:xfrm>
+          <a:prstGeom prst="rect">
+            <a:avLst/>
+          </a:prstGeom>
+          <a:ln>
+            <a:solidFill>
+              <a:schemeClr val="bg1"/>
+            </a:solidFill>
+          </a:ln>
+        </p:spPr>
+        <p:style>
+          <a:lnRef idx="2">
+            <a:schemeClr val="accent1"/>
+          </a:lnRef>
+          <a:fillRef idx="1">
+            <a:schemeClr val="lt1"/>
+          </a:fillRef>
+          <a:effectRef idx="0">
+            <a:schemeClr val="accent1"/>
+          </a:effectRef>
+          <a:fontRef idx="minor">
+            <a:schemeClr val="dk1"/>
+          </a:fontRef>
+        </p:style>
+        <p:txBody>
+          <a:bodyPr rtlCol="0" anchor="ctr"/>
+          <a:lstStyle/>
+          <a:p>
+            <a:pPr algn="ctr"/>
+            <a:endParaRPr lang="en-US"/>
+          </a:p>
+        </p:txBody>
+      </p:sp>
     </p:spTree>
     <p:extLst>
       <p:ext uri="{BB962C8B-B14F-4D97-AF65-F5344CB8AC3E}">
